--- a/css/Conceitos e Fundamentos de CSS.pptx
+++ b/css/Conceitos e Fundamentos de CSS.pptx
@@ -8,16 +8,18 @@
     <p:sldId id="256" r:id="rId2"/>
     <p:sldId id="257" r:id="rId3"/>
     <p:sldId id="258" r:id="rId4"/>
-    <p:sldId id="262" r:id="rId5"/>
-    <p:sldId id="263" r:id="rId6"/>
-    <p:sldId id="259" r:id="rId7"/>
-    <p:sldId id="264" r:id="rId8"/>
-    <p:sldId id="265" r:id="rId9"/>
-    <p:sldId id="260" r:id="rId10"/>
-    <p:sldId id="266" r:id="rId11"/>
-    <p:sldId id="261" r:id="rId12"/>
-    <p:sldId id="267" r:id="rId13"/>
-    <p:sldId id="268" r:id="rId14"/>
+    <p:sldId id="269" r:id="rId5"/>
+    <p:sldId id="262" r:id="rId6"/>
+    <p:sldId id="263" r:id="rId7"/>
+    <p:sldId id="259" r:id="rId8"/>
+    <p:sldId id="270" r:id="rId9"/>
+    <p:sldId id="264" r:id="rId10"/>
+    <p:sldId id="265" r:id="rId11"/>
+    <p:sldId id="260" r:id="rId12"/>
+    <p:sldId id="266" r:id="rId13"/>
+    <p:sldId id="261" r:id="rId14"/>
+    <p:sldId id="267" r:id="rId15"/>
+    <p:sldId id="268" r:id="rId16"/>
   </p:sldIdLst>
   <p:sldSz cx="12192000" cy="6858000"/>
   <p:notesSz cx="6858000" cy="9144000"/>
@@ -116,6 +118,11 @@
       </a:defRPr>
     </a:lvl9pPr>
   </p:defaultTextStyle>
+  <p:extLst>
+    <p:ext uri="{EFAFB233-063F-42B5-8137-9DF3F51BA10A}">
+      <p15:sldGuideLst xmlns:p15="http://schemas.microsoft.com/office/powerpoint/2012/main"/>
+    </p:ext>
+  </p:extLst>
 </p:presentation>
 </file>
 
@@ -266,7 +273,7 @@
           <a:p>
             <a:fld id="{223A5DBD-1EBE-4643-A93F-EF93273982E1}" type="datetimeFigureOut">
               <a:rPr lang="pt-BR" smtClean="0"/>
-              <a:t>25/02/2024</a:t>
+              <a:t>27/02/2024</a:t>
             </a:fld>
             <a:endParaRPr lang="pt-BR"/>
           </a:p>
@@ -464,7 +471,7 @@
           <a:p>
             <a:fld id="{223A5DBD-1EBE-4643-A93F-EF93273982E1}" type="datetimeFigureOut">
               <a:rPr lang="pt-BR" smtClean="0"/>
-              <a:t>25/02/2024</a:t>
+              <a:t>27/02/2024</a:t>
             </a:fld>
             <a:endParaRPr lang="pt-BR"/>
           </a:p>
@@ -672,7 +679,7 @@
           <a:p>
             <a:fld id="{223A5DBD-1EBE-4643-A93F-EF93273982E1}" type="datetimeFigureOut">
               <a:rPr lang="pt-BR" smtClean="0"/>
-              <a:t>25/02/2024</a:t>
+              <a:t>27/02/2024</a:t>
             </a:fld>
             <a:endParaRPr lang="pt-BR"/>
           </a:p>
@@ -870,7 +877,7 @@
           <a:p>
             <a:fld id="{223A5DBD-1EBE-4643-A93F-EF93273982E1}" type="datetimeFigureOut">
               <a:rPr lang="pt-BR" smtClean="0"/>
-              <a:t>25/02/2024</a:t>
+              <a:t>27/02/2024</a:t>
             </a:fld>
             <a:endParaRPr lang="pt-BR"/>
           </a:p>
@@ -1145,7 +1152,7 @@
           <a:p>
             <a:fld id="{223A5DBD-1EBE-4643-A93F-EF93273982E1}" type="datetimeFigureOut">
               <a:rPr lang="pt-BR" smtClean="0"/>
-              <a:t>25/02/2024</a:t>
+              <a:t>27/02/2024</a:t>
             </a:fld>
             <a:endParaRPr lang="pt-BR"/>
           </a:p>
@@ -1410,7 +1417,7 @@
           <a:p>
             <a:fld id="{223A5DBD-1EBE-4643-A93F-EF93273982E1}" type="datetimeFigureOut">
               <a:rPr lang="pt-BR" smtClean="0"/>
-              <a:t>25/02/2024</a:t>
+              <a:t>27/02/2024</a:t>
             </a:fld>
             <a:endParaRPr lang="pt-BR"/>
           </a:p>
@@ -1822,7 +1829,7 @@
           <a:p>
             <a:fld id="{223A5DBD-1EBE-4643-A93F-EF93273982E1}" type="datetimeFigureOut">
               <a:rPr lang="pt-BR" smtClean="0"/>
-              <a:t>25/02/2024</a:t>
+              <a:t>27/02/2024</a:t>
             </a:fld>
             <a:endParaRPr lang="pt-BR"/>
           </a:p>
@@ -1963,7 +1970,7 @@
           <a:p>
             <a:fld id="{223A5DBD-1EBE-4643-A93F-EF93273982E1}" type="datetimeFigureOut">
               <a:rPr lang="pt-BR" smtClean="0"/>
-              <a:t>25/02/2024</a:t>
+              <a:t>27/02/2024</a:t>
             </a:fld>
             <a:endParaRPr lang="pt-BR"/>
           </a:p>
@@ -2076,7 +2083,7 @@
           <a:p>
             <a:fld id="{223A5DBD-1EBE-4643-A93F-EF93273982E1}" type="datetimeFigureOut">
               <a:rPr lang="pt-BR" smtClean="0"/>
-              <a:t>25/02/2024</a:t>
+              <a:t>27/02/2024</a:t>
             </a:fld>
             <a:endParaRPr lang="pt-BR"/>
           </a:p>
@@ -2387,7 +2394,7 @@
           <a:p>
             <a:fld id="{223A5DBD-1EBE-4643-A93F-EF93273982E1}" type="datetimeFigureOut">
               <a:rPr lang="pt-BR" smtClean="0"/>
-              <a:t>25/02/2024</a:t>
+              <a:t>27/02/2024</a:t>
             </a:fld>
             <a:endParaRPr lang="pt-BR"/>
           </a:p>
@@ -2675,7 +2682,7 @@
           <a:p>
             <a:fld id="{223A5DBD-1EBE-4643-A93F-EF93273982E1}" type="datetimeFigureOut">
               <a:rPr lang="pt-BR" smtClean="0"/>
-              <a:t>25/02/2024</a:t>
+              <a:t>27/02/2024</a:t>
             </a:fld>
             <a:endParaRPr lang="pt-BR"/>
           </a:p>
@@ -2916,7 +2923,7 @@
           <a:p>
             <a:fld id="{223A5DBD-1EBE-4643-A93F-EF93273982E1}" type="datetimeFigureOut">
               <a:rPr lang="pt-BR" smtClean="0"/>
-              <a:t>25/02/2024</a:t>
+              <a:t>27/02/2024</a:t>
             </a:fld>
             <a:endParaRPr lang="pt-BR"/>
           </a:p>
@@ -3421,6 +3428,354 @@
           <p:cNvPr id="2" name="Título 1">
             <a:extLst>
               <a:ext uri="{FF2B5EF4-FFF2-40B4-BE49-F238E27FC236}">
+                <a16:creationId xmlns:a16="http://schemas.microsoft.com/office/drawing/2014/main" id="{DC2BB764-0894-89C5-5D0E-CAC6C5A24293}"/>
+              </a:ext>
+            </a:extLst>
+          </p:cNvPr>
+          <p:cNvSpPr>
+            <a:spLocks noGrp="1"/>
+          </p:cNvSpPr>
+          <p:nvPr>
+            <p:ph type="title"/>
+          </p:nvPr>
+        </p:nvSpPr>
+        <p:spPr/>
+        <p:txBody>
+          <a:bodyPr/>
+          <a:lstStyle/>
+          <a:p>
+            <a:r>
+              <a:rPr lang="pt-BR" b="1" i="0" dirty="0">
+                <a:solidFill>
+                  <a:srgbClr val="0D0D0D"/>
+                </a:solidFill>
+                <a:effectLst/>
+                <a:latin typeface="Söhne"/>
+              </a:rPr>
+              <a:t>Layout</a:t>
+            </a:r>
+            <a:endParaRPr lang="pt-BR" dirty="0"/>
+          </a:p>
+        </p:txBody>
+      </p:sp>
+      <p:sp>
+        <p:nvSpPr>
+          <p:cNvPr id="3" name="Espaço Reservado para Conteúdo 2">
+            <a:extLst>
+              <a:ext uri="{FF2B5EF4-FFF2-40B4-BE49-F238E27FC236}">
+                <a16:creationId xmlns:a16="http://schemas.microsoft.com/office/drawing/2014/main" id="{1E647A44-2F8B-4673-FAA1-E2C5060304C2}"/>
+              </a:ext>
+            </a:extLst>
+          </p:cNvPr>
+          <p:cNvSpPr>
+            <a:spLocks noGrp="1"/>
+          </p:cNvSpPr>
+          <p:nvPr>
+            <p:ph idx="1"/>
+          </p:nvPr>
+        </p:nvSpPr>
+        <p:spPr/>
+        <p:txBody>
+          <a:bodyPr/>
+          <a:lstStyle/>
+          <a:p>
+            <a:r>
+              <a:rPr lang="pt-BR" b="0" i="0" dirty="0">
+                <a:solidFill>
+                  <a:srgbClr val="0D0D0D"/>
+                </a:solidFill>
+                <a:effectLst/>
+                <a:latin typeface="Söhne"/>
+              </a:rPr>
+              <a:t>O CSS é usado para controlar o layout de uma página da web. Isso inclui posicionamento de elementos, como flutuação, posicionamento absoluto, relativo, </a:t>
+            </a:r>
+            <a:r>
+              <a:rPr lang="pt-BR" b="0" i="0" dirty="0" err="1">
+                <a:solidFill>
+                  <a:srgbClr val="0D0D0D"/>
+                </a:solidFill>
+                <a:effectLst/>
+                <a:latin typeface="Söhne"/>
+              </a:rPr>
+              <a:t>flexbox</a:t>
+            </a:r>
+            <a:r>
+              <a:rPr lang="pt-BR" b="0" i="0" dirty="0">
+                <a:solidFill>
+                  <a:srgbClr val="0D0D0D"/>
+                </a:solidFill>
+                <a:effectLst/>
+                <a:latin typeface="Söhne"/>
+              </a:rPr>
+              <a:t> e grid layout.</a:t>
+            </a:r>
+            <a:endParaRPr lang="pt-BR" dirty="0"/>
+          </a:p>
+          <a:p>
+            <a:endParaRPr lang="pt-BR" dirty="0"/>
+          </a:p>
+        </p:txBody>
+      </p:sp>
+      <p:pic>
+        <p:nvPicPr>
+          <p:cNvPr id="5" name="Imagem 4">
+            <a:extLst>
+              <a:ext uri="{FF2B5EF4-FFF2-40B4-BE49-F238E27FC236}">
+                <a16:creationId xmlns:a16="http://schemas.microsoft.com/office/drawing/2014/main" id="{9429C09F-A9CB-966C-3A83-FD7738C5F830}"/>
+              </a:ext>
+            </a:extLst>
+          </p:cNvPr>
+          <p:cNvPicPr>
+            <a:picLocks noChangeAspect="1"/>
+          </p:cNvPicPr>
+          <p:nvPr/>
+        </p:nvPicPr>
+        <p:blipFill>
+          <a:blip r:embed="rId2"/>
+          <a:stretch>
+            <a:fillRect/>
+          </a:stretch>
+        </p:blipFill>
+        <p:spPr>
+          <a:xfrm>
+            <a:off x="341896" y="947624"/>
+            <a:ext cx="5613440" cy="5616575"/>
+          </a:xfrm>
+          <a:prstGeom prst="rect">
+            <a:avLst/>
+          </a:prstGeom>
+        </p:spPr>
+      </p:pic>
+      <p:pic>
+        <p:nvPicPr>
+          <p:cNvPr id="7" name="Imagem 6">
+            <a:extLst>
+              <a:ext uri="{FF2B5EF4-FFF2-40B4-BE49-F238E27FC236}">
+                <a16:creationId xmlns:a16="http://schemas.microsoft.com/office/drawing/2014/main" id="{05AA3D06-AC2F-2BF4-6C40-69611B6AF68E}"/>
+              </a:ext>
+            </a:extLst>
+          </p:cNvPr>
+          <p:cNvPicPr>
+            <a:picLocks noChangeAspect="1"/>
+          </p:cNvPicPr>
+          <p:nvPr/>
+        </p:nvPicPr>
+        <p:blipFill>
+          <a:blip r:embed="rId3"/>
+          <a:stretch>
+            <a:fillRect/>
+          </a:stretch>
+        </p:blipFill>
+        <p:spPr>
+          <a:xfrm>
+            <a:off x="6096000" y="20508"/>
+            <a:ext cx="5857875" cy="6543691"/>
+          </a:xfrm>
+          <a:prstGeom prst="rect">
+            <a:avLst/>
+          </a:prstGeom>
+        </p:spPr>
+      </p:pic>
+    </p:spTree>
+    <p:extLst>
+      <p:ext uri="{BB962C8B-B14F-4D97-AF65-F5344CB8AC3E}">
+        <p14:creationId xmlns:p14="http://schemas.microsoft.com/office/powerpoint/2010/main" val="1091778900"/>
+      </p:ext>
+    </p:extLst>
+  </p:cSld>
+  <p:clrMapOvr>
+    <a:masterClrMapping/>
+  </p:clrMapOvr>
+</p:sld>
+</file>
+
+<file path=ppt/slides/slide11.xml><?xml version="1.0" encoding="utf-8"?>
+<p:sld xmlns:a="http://schemas.openxmlformats.org/drawingml/2006/main" xmlns:r="http://schemas.openxmlformats.org/officeDocument/2006/relationships" xmlns:p="http://schemas.openxmlformats.org/presentationml/2006/main">
+  <p:cSld>
+    <p:spTree>
+      <p:nvGrpSpPr>
+        <p:cNvPr id="1" name=""/>
+        <p:cNvGrpSpPr/>
+        <p:nvPr/>
+      </p:nvGrpSpPr>
+      <p:grpSpPr>
+        <a:xfrm>
+          <a:off x="0" y="0"/>
+          <a:ext cx="0" cy="0"/>
+          <a:chOff x="0" y="0"/>
+          <a:chExt cx="0" cy="0"/>
+        </a:xfrm>
+      </p:grpSpPr>
+      <p:sp>
+        <p:nvSpPr>
+          <p:cNvPr id="2" name="Título 1">
+            <a:extLst>
+              <a:ext uri="{FF2B5EF4-FFF2-40B4-BE49-F238E27FC236}">
+                <a16:creationId xmlns:a16="http://schemas.microsoft.com/office/drawing/2014/main" id="{F82AD709-E762-D769-073B-CE49ADB28FCE}"/>
+              </a:ext>
+            </a:extLst>
+          </p:cNvPr>
+          <p:cNvSpPr>
+            <a:spLocks noGrp="1"/>
+          </p:cNvSpPr>
+          <p:nvPr>
+            <p:ph type="title"/>
+          </p:nvPr>
+        </p:nvSpPr>
+        <p:spPr/>
+        <p:txBody>
+          <a:bodyPr/>
+          <a:lstStyle/>
+          <a:p>
+            <a:r>
+              <a:rPr lang="pt-BR" b="1" i="0" dirty="0">
+                <a:solidFill>
+                  <a:srgbClr val="0D0D0D"/>
+                </a:solidFill>
+                <a:effectLst/>
+                <a:latin typeface="Söhne"/>
+              </a:rPr>
+              <a:t>Media Queries</a:t>
+            </a:r>
+            <a:endParaRPr lang="pt-BR" dirty="0"/>
+          </a:p>
+        </p:txBody>
+      </p:sp>
+      <p:sp>
+        <p:nvSpPr>
+          <p:cNvPr id="3" name="Espaço Reservado para Conteúdo 2">
+            <a:extLst>
+              <a:ext uri="{FF2B5EF4-FFF2-40B4-BE49-F238E27FC236}">
+                <a16:creationId xmlns:a16="http://schemas.microsoft.com/office/drawing/2014/main" id="{95EC1DF1-95B0-363E-D2B8-381AE103EB18}"/>
+              </a:ext>
+            </a:extLst>
+          </p:cNvPr>
+          <p:cNvSpPr>
+            <a:spLocks noGrp="1"/>
+          </p:cNvSpPr>
+          <p:nvPr>
+            <p:ph idx="1"/>
+          </p:nvPr>
+        </p:nvSpPr>
+        <p:spPr/>
+        <p:txBody>
+          <a:bodyPr/>
+          <a:lstStyle/>
+          <a:p>
+            <a:pPr marL="0" indent="0" algn="l">
+              <a:buNone/>
+            </a:pPr>
+            <a:r>
+              <a:rPr lang="pt-BR" b="0" i="0" dirty="0">
+                <a:solidFill>
+                  <a:srgbClr val="0D0D0D"/>
+                </a:solidFill>
+                <a:effectLst/>
+                <a:latin typeface="Söhne"/>
+              </a:rPr>
+              <a:t>As Media Queries permitem que você aplique estilos diferentes com base nas características do dispositivo, como largura da tela, tipo de dispositivo ou orientação.</a:t>
+            </a:r>
+          </a:p>
+          <a:p>
+            <a:endParaRPr lang="pt-BR" dirty="0"/>
+          </a:p>
+        </p:txBody>
+      </p:sp>
+      <p:pic>
+        <p:nvPicPr>
+          <p:cNvPr id="7" name="Imagem 6">
+            <a:extLst>
+              <a:ext uri="{FF2B5EF4-FFF2-40B4-BE49-F238E27FC236}">
+                <a16:creationId xmlns:a16="http://schemas.microsoft.com/office/drawing/2014/main" id="{16B0B7FE-3C55-A05F-BADA-258421CE10E3}"/>
+              </a:ext>
+            </a:extLst>
+          </p:cNvPr>
+          <p:cNvPicPr>
+            <a:picLocks noChangeAspect="1"/>
+          </p:cNvPicPr>
+          <p:nvPr/>
+        </p:nvPicPr>
+        <p:blipFill>
+          <a:blip r:embed="rId2"/>
+          <a:stretch>
+            <a:fillRect/>
+          </a:stretch>
+        </p:blipFill>
+        <p:spPr>
+          <a:xfrm>
+            <a:off x="5907157" y="2778318"/>
+            <a:ext cx="5776251" cy="3955857"/>
+          </a:xfrm>
+          <a:prstGeom prst="rect">
+            <a:avLst/>
+          </a:prstGeom>
+        </p:spPr>
+      </p:pic>
+      <p:pic>
+        <p:nvPicPr>
+          <p:cNvPr id="9" name="Imagem 8">
+            <a:extLst>
+              <a:ext uri="{FF2B5EF4-FFF2-40B4-BE49-F238E27FC236}">
+                <a16:creationId xmlns:a16="http://schemas.microsoft.com/office/drawing/2014/main" id="{6192C6AF-1348-7013-1B8E-689A5FF94C90}"/>
+              </a:ext>
+            </a:extLst>
+          </p:cNvPr>
+          <p:cNvPicPr>
+            <a:picLocks noChangeAspect="1"/>
+          </p:cNvPicPr>
+          <p:nvPr/>
+        </p:nvPicPr>
+        <p:blipFill>
+          <a:blip r:embed="rId3"/>
+          <a:stretch>
+            <a:fillRect/>
+          </a:stretch>
+        </p:blipFill>
+        <p:spPr>
+          <a:xfrm>
+            <a:off x="168916" y="3313565"/>
+            <a:ext cx="5245535" cy="3249160"/>
+          </a:xfrm>
+          <a:prstGeom prst="rect">
+            <a:avLst/>
+          </a:prstGeom>
+        </p:spPr>
+      </p:pic>
+    </p:spTree>
+    <p:extLst>
+      <p:ext uri="{BB962C8B-B14F-4D97-AF65-F5344CB8AC3E}">
+        <p14:creationId xmlns:p14="http://schemas.microsoft.com/office/powerpoint/2010/main" val="2593444733"/>
+      </p:ext>
+    </p:extLst>
+  </p:cSld>
+  <p:clrMapOvr>
+    <a:masterClrMapping/>
+  </p:clrMapOvr>
+</p:sld>
+</file>
+
+<file path=ppt/slides/slide12.xml><?xml version="1.0" encoding="utf-8"?>
+<p:sld xmlns:a="http://schemas.openxmlformats.org/drawingml/2006/main" xmlns:r="http://schemas.openxmlformats.org/officeDocument/2006/relationships" xmlns:p="http://schemas.openxmlformats.org/presentationml/2006/main">
+  <p:cSld>
+    <p:spTree>
+      <p:nvGrpSpPr>
+        <p:cNvPr id="1" name=""/>
+        <p:cNvGrpSpPr/>
+        <p:nvPr/>
+      </p:nvGrpSpPr>
+      <p:grpSpPr>
+        <a:xfrm>
+          <a:off x="0" y="0"/>
+          <a:ext cx="0" cy="0"/>
+          <a:chOff x="0" y="0"/>
+          <a:chExt cx="0" cy="0"/>
+        </a:xfrm>
+      </p:grpSpPr>
+      <p:sp>
+        <p:nvSpPr>
+          <p:cNvPr id="2" name="Título 1">
+            <a:extLst>
+              <a:ext uri="{FF2B5EF4-FFF2-40B4-BE49-F238E27FC236}">
                 <a16:creationId xmlns:a16="http://schemas.microsoft.com/office/drawing/2014/main" id="{D7E8E3CE-51AF-9585-2F8B-BBEA898C77B4}"/>
               </a:ext>
             </a:extLst>
@@ -3761,7 +4116,7 @@
 </p:sld>
 </file>
 
-<file path=ppt/slides/slide11.xml><?xml version="1.0" encoding="utf-8"?>
+<file path=ppt/slides/slide13.xml><?xml version="1.0" encoding="utf-8"?>
 <p:sld xmlns:a="http://schemas.openxmlformats.org/drawingml/2006/main" xmlns:r="http://schemas.openxmlformats.org/officeDocument/2006/relationships" xmlns:p="http://schemas.openxmlformats.org/presentationml/2006/main">
   <p:cSld>
     <p:spTree>
@@ -4019,7 +4374,7 @@
 </p:sld>
 </file>
 
-<file path=ppt/slides/slide12.xml><?xml version="1.0" encoding="utf-8"?>
+<file path=ppt/slides/slide14.xml><?xml version="1.0" encoding="utf-8"?>
 <p:sld xmlns:a="http://schemas.openxmlformats.org/drawingml/2006/main" xmlns:r="http://schemas.openxmlformats.org/officeDocument/2006/relationships" xmlns:p="http://schemas.openxmlformats.org/presentationml/2006/main">
   <p:cSld>
     <p:spTree>
@@ -4181,7 +4536,7 @@
 </p:sld>
 </file>
 
-<file path=ppt/slides/slide13.xml><?xml version="1.0" encoding="utf-8"?>
+<file path=ppt/slides/slide15.xml><?xml version="1.0" encoding="utf-8"?>
 <p:sld xmlns:a="http://schemas.openxmlformats.org/drawingml/2006/main" xmlns:r="http://schemas.openxmlformats.org/officeDocument/2006/relationships" xmlns:p="http://schemas.openxmlformats.org/presentationml/2006/main">
   <p:cSld>
     <p:spTree>
@@ -4781,6 +5136,526 @@
       </p:grpSpPr>
       <p:sp>
         <p:nvSpPr>
+          <p:cNvPr id="3" name="Espaço Reservado para Conteúdo 2">
+            <a:extLst>
+              <a:ext uri="{FF2B5EF4-FFF2-40B4-BE49-F238E27FC236}">
+                <a16:creationId xmlns:a16="http://schemas.microsoft.com/office/drawing/2014/main" id="{548D4647-3F33-3F3B-CE36-9094017B859B}"/>
+              </a:ext>
+            </a:extLst>
+          </p:cNvPr>
+          <p:cNvSpPr>
+            <a:spLocks noGrp="1"/>
+          </p:cNvSpPr>
+          <p:nvPr>
+            <p:ph idx="1"/>
+          </p:nvPr>
+        </p:nvSpPr>
+        <p:spPr>
+          <a:xfrm>
+            <a:off x="838200" y="0"/>
+            <a:ext cx="10515600" cy="4351338"/>
+          </a:xfrm>
+        </p:spPr>
+        <p:txBody>
+          <a:bodyPr>
+            <a:noAutofit/>
+          </a:bodyPr>
+          <a:lstStyle/>
+          <a:p>
+            <a:pPr marL="0" indent="0">
+              <a:buNone/>
+            </a:pPr>
+            <a:r>
+              <a:rPr lang="pt-BR" sz="1200" b="0" dirty="0">
+                <a:effectLst/>
+                <a:latin typeface="Arial" panose="020B0604020202020204" pitchFamily="34" charset="0"/>
+                <a:cs typeface="Arial" panose="020B0604020202020204" pitchFamily="34" charset="0"/>
+              </a:rPr>
+              <a:t> &lt;</a:t>
+            </a:r>
+            <a:r>
+              <a:rPr lang="pt-BR" sz="1200" b="0" dirty="0" err="1">
+                <a:effectLst/>
+                <a:latin typeface="Arial" panose="020B0604020202020204" pitchFamily="34" charset="0"/>
+                <a:cs typeface="Arial" panose="020B0604020202020204" pitchFamily="34" charset="0"/>
+              </a:rPr>
+              <a:t>style</a:t>
+            </a:r>
+            <a:r>
+              <a:rPr lang="pt-BR" sz="1200" b="0" dirty="0">
+                <a:effectLst/>
+                <a:latin typeface="Arial" panose="020B0604020202020204" pitchFamily="34" charset="0"/>
+                <a:cs typeface="Arial" panose="020B0604020202020204" pitchFamily="34" charset="0"/>
+              </a:rPr>
+              <a:t>&gt;</a:t>
+            </a:r>
+          </a:p>
+          <a:p>
+            <a:pPr marL="0" indent="0">
+              <a:buNone/>
+            </a:pPr>
+            <a:r>
+              <a:rPr lang="pt-BR" sz="1200" b="0" dirty="0">
+                <a:effectLst/>
+                <a:latin typeface="Arial" panose="020B0604020202020204" pitchFamily="34" charset="0"/>
+                <a:cs typeface="Arial" panose="020B0604020202020204" pitchFamily="34" charset="0"/>
+              </a:rPr>
+              <a:t>            p {</a:t>
+            </a:r>
+          </a:p>
+          <a:p>
+            <a:pPr marL="0" indent="0">
+              <a:buNone/>
+            </a:pPr>
+            <a:r>
+              <a:rPr lang="pt-BR" sz="1200" b="0" dirty="0">
+                <a:effectLst/>
+                <a:latin typeface="Arial" panose="020B0604020202020204" pitchFamily="34" charset="0"/>
+                <a:cs typeface="Arial" panose="020B0604020202020204" pitchFamily="34" charset="0"/>
+              </a:rPr>
+              <a:t>                color: </a:t>
+            </a:r>
+            <a:r>
+              <a:rPr lang="pt-BR" sz="1200" b="0" dirty="0" err="1">
+                <a:effectLst/>
+                <a:latin typeface="Arial" panose="020B0604020202020204" pitchFamily="34" charset="0"/>
+                <a:cs typeface="Arial" panose="020B0604020202020204" pitchFamily="34" charset="0"/>
+              </a:rPr>
+              <a:t>red</a:t>
+            </a:r>
+            <a:r>
+              <a:rPr lang="pt-BR" sz="1200" b="0" dirty="0">
+                <a:effectLst/>
+                <a:latin typeface="Arial" panose="020B0604020202020204" pitchFamily="34" charset="0"/>
+                <a:cs typeface="Arial" panose="020B0604020202020204" pitchFamily="34" charset="0"/>
+              </a:rPr>
+              <a:t>;</a:t>
+            </a:r>
+          </a:p>
+          <a:p>
+            <a:pPr marL="0" indent="0">
+              <a:buNone/>
+            </a:pPr>
+            <a:r>
+              <a:rPr lang="pt-BR" sz="1200" b="0" dirty="0">
+                <a:effectLst/>
+                <a:latin typeface="Arial" panose="020B0604020202020204" pitchFamily="34" charset="0"/>
+                <a:cs typeface="Arial" panose="020B0604020202020204" pitchFamily="34" charset="0"/>
+              </a:rPr>
+              <a:t>            }</a:t>
+            </a:r>
+          </a:p>
+          <a:p>
+            <a:pPr marL="0" indent="0">
+              <a:buNone/>
+            </a:pPr>
+            <a:r>
+              <a:rPr lang="pt-BR" sz="1200" b="0" dirty="0">
+                <a:effectLst/>
+                <a:latin typeface="Arial" panose="020B0604020202020204" pitchFamily="34" charset="0"/>
+                <a:cs typeface="Arial" panose="020B0604020202020204" pitchFamily="34" charset="0"/>
+              </a:rPr>
+              <a:t>            .verde {</a:t>
+            </a:r>
+          </a:p>
+          <a:p>
+            <a:pPr marL="0" indent="0">
+              <a:buNone/>
+            </a:pPr>
+            <a:r>
+              <a:rPr lang="pt-BR" sz="1200" b="0" dirty="0">
+                <a:effectLst/>
+                <a:latin typeface="Arial" panose="020B0604020202020204" pitchFamily="34" charset="0"/>
+                <a:cs typeface="Arial" panose="020B0604020202020204" pitchFamily="34" charset="0"/>
+              </a:rPr>
+              <a:t>                color: </a:t>
+            </a:r>
+            <a:r>
+              <a:rPr lang="pt-BR" sz="1200" b="0" dirty="0" err="1">
+                <a:effectLst/>
+                <a:latin typeface="Arial" panose="020B0604020202020204" pitchFamily="34" charset="0"/>
+                <a:cs typeface="Arial" panose="020B0604020202020204" pitchFamily="34" charset="0"/>
+              </a:rPr>
+              <a:t>green</a:t>
+            </a:r>
+            <a:r>
+              <a:rPr lang="pt-BR" sz="1200" b="0" dirty="0">
+                <a:effectLst/>
+                <a:latin typeface="Arial" panose="020B0604020202020204" pitchFamily="34" charset="0"/>
+                <a:cs typeface="Arial" panose="020B0604020202020204" pitchFamily="34" charset="0"/>
+              </a:rPr>
+              <a:t>;</a:t>
+            </a:r>
+          </a:p>
+          <a:p>
+            <a:pPr marL="0" indent="0">
+              <a:buNone/>
+            </a:pPr>
+            <a:r>
+              <a:rPr lang="pt-BR" sz="1200" b="0" dirty="0">
+                <a:effectLst/>
+                <a:latin typeface="Arial" panose="020B0604020202020204" pitchFamily="34" charset="0"/>
+                <a:cs typeface="Arial" panose="020B0604020202020204" pitchFamily="34" charset="0"/>
+              </a:rPr>
+              <a:t>            }</a:t>
+            </a:r>
+          </a:p>
+          <a:p>
+            <a:pPr marL="0" indent="0">
+              <a:buNone/>
+            </a:pPr>
+            <a:r>
+              <a:rPr lang="pt-BR" sz="1200" b="0" dirty="0">
+                <a:effectLst/>
+                <a:latin typeface="Arial" panose="020B0604020202020204" pitchFamily="34" charset="0"/>
+                <a:cs typeface="Arial" panose="020B0604020202020204" pitchFamily="34" charset="0"/>
+              </a:rPr>
+              <a:t>            #azul {</a:t>
+            </a:r>
+          </a:p>
+          <a:p>
+            <a:pPr marL="0" indent="0">
+              <a:buNone/>
+            </a:pPr>
+            <a:r>
+              <a:rPr lang="pt-BR" sz="1200" b="0" dirty="0">
+                <a:effectLst/>
+                <a:latin typeface="Arial" panose="020B0604020202020204" pitchFamily="34" charset="0"/>
+                <a:cs typeface="Arial" panose="020B0604020202020204" pitchFamily="34" charset="0"/>
+              </a:rPr>
+              <a:t>                color: blue;</a:t>
+            </a:r>
+          </a:p>
+          <a:p>
+            <a:pPr marL="0" indent="0">
+              <a:buNone/>
+            </a:pPr>
+            <a:r>
+              <a:rPr lang="pt-BR" sz="1200" b="0" dirty="0">
+                <a:effectLst/>
+                <a:latin typeface="Arial" panose="020B0604020202020204" pitchFamily="34" charset="0"/>
+                <a:cs typeface="Arial" panose="020B0604020202020204" pitchFamily="34" charset="0"/>
+              </a:rPr>
+              <a:t>            }</a:t>
+            </a:r>
+          </a:p>
+          <a:p>
+            <a:pPr marL="0" indent="0">
+              <a:buNone/>
+            </a:pPr>
+            <a:r>
+              <a:rPr lang="pt-BR" sz="1200" b="0" dirty="0">
+                <a:effectLst/>
+                <a:latin typeface="Arial" panose="020B0604020202020204" pitchFamily="34" charset="0"/>
+                <a:cs typeface="Arial" panose="020B0604020202020204" pitchFamily="34" charset="0"/>
+              </a:rPr>
+              <a:t>            </a:t>
+            </a:r>
+            <a:r>
+              <a:rPr lang="pt-BR" sz="1200" b="0" dirty="0" err="1">
+                <a:effectLst/>
+                <a:latin typeface="Arial" panose="020B0604020202020204" pitchFamily="34" charset="0"/>
+                <a:cs typeface="Arial" panose="020B0604020202020204" pitchFamily="34" charset="0"/>
+              </a:rPr>
+              <a:t>div</a:t>
+            </a:r>
+            <a:r>
+              <a:rPr lang="pt-BR" sz="1200" b="0" dirty="0">
+                <a:effectLst/>
+                <a:latin typeface="Arial" panose="020B0604020202020204" pitchFamily="34" charset="0"/>
+                <a:cs typeface="Arial" panose="020B0604020202020204" pitchFamily="34" charset="0"/>
+              </a:rPr>
+              <a:t> h3 {</a:t>
+            </a:r>
+          </a:p>
+          <a:p>
+            <a:pPr marL="0" indent="0">
+              <a:buNone/>
+            </a:pPr>
+            <a:r>
+              <a:rPr lang="pt-BR" sz="1200" b="0" dirty="0">
+                <a:effectLst/>
+                <a:latin typeface="Arial" panose="020B0604020202020204" pitchFamily="34" charset="0"/>
+                <a:cs typeface="Arial" panose="020B0604020202020204" pitchFamily="34" charset="0"/>
+              </a:rPr>
+              <a:t>                color: </a:t>
+            </a:r>
+            <a:r>
+              <a:rPr lang="pt-BR" sz="1200" b="0" dirty="0" err="1">
+                <a:effectLst/>
+                <a:latin typeface="Arial" panose="020B0604020202020204" pitchFamily="34" charset="0"/>
+                <a:cs typeface="Arial" panose="020B0604020202020204" pitchFamily="34" charset="0"/>
+              </a:rPr>
+              <a:t>yellow</a:t>
+            </a:r>
+            <a:r>
+              <a:rPr lang="pt-BR" sz="1200" b="0" dirty="0">
+                <a:effectLst/>
+                <a:latin typeface="Arial" panose="020B0604020202020204" pitchFamily="34" charset="0"/>
+                <a:cs typeface="Arial" panose="020B0604020202020204" pitchFamily="34" charset="0"/>
+              </a:rPr>
+              <a:t>;</a:t>
+            </a:r>
+          </a:p>
+          <a:p>
+            <a:pPr marL="0" indent="0">
+              <a:buNone/>
+            </a:pPr>
+            <a:r>
+              <a:rPr lang="pt-BR" sz="1200" b="0" dirty="0">
+                <a:effectLst/>
+                <a:latin typeface="Arial" panose="020B0604020202020204" pitchFamily="34" charset="0"/>
+                <a:cs typeface="Arial" panose="020B0604020202020204" pitchFamily="34" charset="0"/>
+              </a:rPr>
+              <a:t>            }</a:t>
+            </a:r>
+          </a:p>
+          <a:p>
+            <a:pPr marL="0" indent="0">
+              <a:buNone/>
+            </a:pPr>
+            <a:r>
+              <a:rPr lang="pt-BR" sz="1200" b="0" dirty="0">
+                <a:effectLst/>
+                <a:latin typeface="Arial" panose="020B0604020202020204" pitchFamily="34" charset="0"/>
+                <a:cs typeface="Arial" panose="020B0604020202020204" pitchFamily="34" charset="0"/>
+              </a:rPr>
+              <a:t>        &lt;/</a:t>
+            </a:r>
+            <a:r>
+              <a:rPr lang="pt-BR" sz="1200" b="0" dirty="0" err="1">
+                <a:effectLst/>
+                <a:latin typeface="Arial" panose="020B0604020202020204" pitchFamily="34" charset="0"/>
+                <a:cs typeface="Arial" panose="020B0604020202020204" pitchFamily="34" charset="0"/>
+              </a:rPr>
+              <a:t>style</a:t>
+            </a:r>
+            <a:r>
+              <a:rPr lang="pt-BR" sz="1200" b="0" dirty="0">
+                <a:effectLst/>
+                <a:latin typeface="Arial" panose="020B0604020202020204" pitchFamily="34" charset="0"/>
+                <a:cs typeface="Arial" panose="020B0604020202020204" pitchFamily="34" charset="0"/>
+              </a:rPr>
+              <a:t>&gt;</a:t>
+            </a:r>
+          </a:p>
+          <a:p>
+            <a:pPr marL="0" indent="0">
+              <a:buNone/>
+            </a:pPr>
+            <a:endParaRPr lang="pt-BR" sz="1200" dirty="0">
+              <a:latin typeface="Arial" panose="020B0604020202020204" pitchFamily="34" charset="0"/>
+              <a:cs typeface="Arial" panose="020B0604020202020204" pitchFamily="34" charset="0"/>
+            </a:endParaRPr>
+          </a:p>
+          <a:p>
+            <a:pPr marL="0" indent="0">
+              <a:buNone/>
+            </a:pPr>
+            <a:r>
+              <a:rPr lang="pt-BR" sz="1200" b="0" dirty="0">
+                <a:effectLst/>
+                <a:latin typeface="Arial" panose="020B0604020202020204" pitchFamily="34" charset="0"/>
+                <a:cs typeface="Arial" panose="020B0604020202020204" pitchFamily="34" charset="0"/>
+              </a:rPr>
+              <a:t>&lt;body&gt;</a:t>
+            </a:r>
+          </a:p>
+          <a:p>
+            <a:pPr marL="0" indent="0">
+              <a:buNone/>
+            </a:pPr>
+            <a:r>
+              <a:rPr lang="pt-BR" sz="1200" b="0" dirty="0">
+                <a:effectLst/>
+                <a:latin typeface="Arial" panose="020B0604020202020204" pitchFamily="34" charset="0"/>
+                <a:cs typeface="Arial" panose="020B0604020202020204" pitchFamily="34" charset="0"/>
+              </a:rPr>
+              <a:t>        &lt;p&gt; Este conteúdo está em um parágrafo &lt;/p&gt;</a:t>
+            </a:r>
+          </a:p>
+          <a:p>
+            <a:pPr marL="0" indent="0">
+              <a:buNone/>
+            </a:pPr>
+            <a:r>
+              <a:rPr lang="pt-BR" sz="1200" b="0" dirty="0">
+                <a:effectLst/>
+                <a:latin typeface="Arial" panose="020B0604020202020204" pitchFamily="34" charset="0"/>
+                <a:cs typeface="Arial" panose="020B0604020202020204" pitchFamily="34" charset="0"/>
+              </a:rPr>
+              <a:t>        &lt;p </a:t>
+            </a:r>
+            <a:r>
+              <a:rPr lang="pt-BR" sz="1200" b="0" dirty="0" err="1">
+                <a:effectLst/>
+                <a:latin typeface="Arial" panose="020B0604020202020204" pitchFamily="34" charset="0"/>
+                <a:cs typeface="Arial" panose="020B0604020202020204" pitchFamily="34" charset="0"/>
+              </a:rPr>
+              <a:t>class</a:t>
+            </a:r>
+            <a:r>
+              <a:rPr lang="pt-BR" sz="1200" b="0" dirty="0">
+                <a:effectLst/>
+                <a:latin typeface="Arial" panose="020B0604020202020204" pitchFamily="34" charset="0"/>
+                <a:cs typeface="Arial" panose="020B0604020202020204" pitchFamily="34" charset="0"/>
+              </a:rPr>
+              <a:t>="verde"&gt; Este conteúdo está em um parágrafo com classe&lt;/p&gt;</a:t>
+            </a:r>
+          </a:p>
+          <a:p>
+            <a:pPr marL="0" indent="0">
+              <a:buNone/>
+            </a:pPr>
+            <a:r>
+              <a:rPr lang="pt-BR" sz="1200" b="0" dirty="0">
+                <a:effectLst/>
+                <a:latin typeface="Arial" panose="020B0604020202020204" pitchFamily="34" charset="0"/>
+                <a:cs typeface="Arial" panose="020B0604020202020204" pitchFamily="34" charset="0"/>
+              </a:rPr>
+              <a:t>        &lt;p id="azul"&gt; Este conteúdo está em um parágrafo com id &lt;/p&gt; </a:t>
+            </a:r>
+          </a:p>
+          <a:p>
+            <a:pPr marL="0" indent="0">
+              <a:buNone/>
+            </a:pPr>
+            <a:r>
+              <a:rPr lang="pt-BR" sz="1200" b="0" dirty="0">
+                <a:effectLst/>
+                <a:latin typeface="Arial" panose="020B0604020202020204" pitchFamily="34" charset="0"/>
+                <a:cs typeface="Arial" panose="020B0604020202020204" pitchFamily="34" charset="0"/>
+              </a:rPr>
+              <a:t>        &lt;</a:t>
+            </a:r>
+            <a:r>
+              <a:rPr lang="pt-BR" sz="1200" b="0" dirty="0" err="1">
+                <a:effectLst/>
+                <a:latin typeface="Arial" panose="020B0604020202020204" pitchFamily="34" charset="0"/>
+                <a:cs typeface="Arial" panose="020B0604020202020204" pitchFamily="34" charset="0"/>
+              </a:rPr>
+              <a:t>div</a:t>
+            </a:r>
+            <a:r>
+              <a:rPr lang="pt-BR" sz="1200" b="0" dirty="0">
+                <a:effectLst/>
+                <a:latin typeface="Arial" panose="020B0604020202020204" pitchFamily="34" charset="0"/>
+                <a:cs typeface="Arial" panose="020B0604020202020204" pitchFamily="34" charset="0"/>
+              </a:rPr>
+              <a:t>&gt; </a:t>
+            </a:r>
+          </a:p>
+          <a:p>
+            <a:pPr marL="0" indent="0">
+              <a:buNone/>
+            </a:pPr>
+            <a:r>
+              <a:rPr lang="pt-BR" sz="1200" b="0" dirty="0">
+                <a:effectLst/>
+                <a:latin typeface="Arial" panose="020B0604020202020204" pitchFamily="34" charset="0"/>
+                <a:cs typeface="Arial" panose="020B0604020202020204" pitchFamily="34" charset="0"/>
+              </a:rPr>
+              <a:t>            &lt;h3&gt; Este conteúdo está em um parágrafo dentro do body &lt;/h3&gt;</a:t>
+            </a:r>
+          </a:p>
+          <a:p>
+            <a:pPr marL="0" indent="0">
+              <a:buNone/>
+            </a:pPr>
+            <a:r>
+              <a:rPr lang="pt-BR" sz="1200" b="0" dirty="0">
+                <a:effectLst/>
+                <a:latin typeface="Arial" panose="020B0604020202020204" pitchFamily="34" charset="0"/>
+                <a:cs typeface="Arial" panose="020B0604020202020204" pitchFamily="34" charset="0"/>
+              </a:rPr>
+              <a:t>        &lt;/</a:t>
+            </a:r>
+            <a:r>
+              <a:rPr lang="pt-BR" sz="1200" b="0" dirty="0" err="1">
+                <a:effectLst/>
+                <a:latin typeface="Arial" panose="020B0604020202020204" pitchFamily="34" charset="0"/>
+                <a:cs typeface="Arial" panose="020B0604020202020204" pitchFamily="34" charset="0"/>
+              </a:rPr>
+              <a:t>div</a:t>
+            </a:r>
+            <a:r>
+              <a:rPr lang="pt-BR" sz="1200" b="0" dirty="0">
+                <a:effectLst/>
+                <a:latin typeface="Arial" panose="020B0604020202020204" pitchFamily="34" charset="0"/>
+                <a:cs typeface="Arial" panose="020B0604020202020204" pitchFamily="34" charset="0"/>
+              </a:rPr>
+              <a:t>&gt;      </a:t>
+            </a:r>
+          </a:p>
+          <a:p>
+            <a:pPr marL="0" indent="0">
+              <a:buNone/>
+            </a:pPr>
+            <a:r>
+              <a:rPr lang="pt-BR" sz="1200" b="0" dirty="0">
+                <a:effectLst/>
+                <a:latin typeface="Arial" panose="020B0604020202020204" pitchFamily="34" charset="0"/>
+                <a:cs typeface="Arial" panose="020B0604020202020204" pitchFamily="34" charset="0"/>
+              </a:rPr>
+              <a:t>            &lt;h3&gt; Atenção&lt;/h3&gt;</a:t>
+            </a:r>
+          </a:p>
+          <a:p>
+            <a:pPr marL="0" indent="0">
+              <a:buNone/>
+            </a:pPr>
+            <a:r>
+              <a:rPr lang="pt-BR" sz="1200" b="0" dirty="0">
+                <a:effectLst/>
+                <a:latin typeface="Arial" panose="020B0604020202020204" pitchFamily="34" charset="0"/>
+                <a:cs typeface="Arial" panose="020B0604020202020204" pitchFamily="34" charset="0"/>
+              </a:rPr>
+              <a:t>     &lt;/body&gt;</a:t>
+            </a:r>
+          </a:p>
+          <a:p>
+            <a:pPr marL="0" indent="0">
+              <a:buNone/>
+            </a:pPr>
+            <a:endParaRPr lang="pt-BR" sz="1200" dirty="0">
+              <a:latin typeface="Arial" panose="020B0604020202020204" pitchFamily="34" charset="0"/>
+              <a:cs typeface="Arial" panose="020B0604020202020204" pitchFamily="34" charset="0"/>
+            </a:endParaRPr>
+          </a:p>
+        </p:txBody>
+      </p:sp>
+    </p:spTree>
+    <p:extLst>
+      <p:ext uri="{BB962C8B-B14F-4D97-AF65-F5344CB8AC3E}">
+        <p14:creationId xmlns:p14="http://schemas.microsoft.com/office/powerpoint/2010/main" val="2636632206"/>
+      </p:ext>
+    </p:extLst>
+  </p:cSld>
+  <p:clrMapOvr>
+    <a:masterClrMapping/>
+  </p:clrMapOvr>
+</p:sld>
+</file>
+
+<file path=ppt/slides/slide5.xml><?xml version="1.0" encoding="utf-8"?>
+<p:sld xmlns:a="http://schemas.openxmlformats.org/drawingml/2006/main" xmlns:r="http://schemas.openxmlformats.org/officeDocument/2006/relationships" xmlns:p="http://schemas.openxmlformats.org/presentationml/2006/main">
+  <p:cSld>
+    <p:spTree>
+      <p:nvGrpSpPr>
+        <p:cNvPr id="1" name=""/>
+        <p:cNvGrpSpPr/>
+        <p:nvPr/>
+      </p:nvGrpSpPr>
+      <p:grpSpPr>
+        <a:xfrm>
+          <a:off x="0" y="0"/>
+          <a:ext cx="0" cy="0"/>
+          <a:chOff x="0" y="0"/>
+          <a:chExt cx="0" cy="0"/>
+        </a:xfrm>
+      </p:grpSpPr>
+      <p:sp>
+        <p:nvSpPr>
           <p:cNvPr id="2" name="Título 1">
             <a:extLst>
               <a:ext uri="{FF2B5EF4-FFF2-40B4-BE49-F238E27FC236}">
@@ -4924,7 +5799,7 @@
 </p:sld>
 </file>
 
-<file path=ppt/slides/slide5.xml><?xml version="1.0" encoding="utf-8"?>
+<file path=ppt/slides/slide6.xml><?xml version="1.0" encoding="utf-8"?>
 <p:sld xmlns:a="http://schemas.openxmlformats.org/drawingml/2006/main" xmlns:r="http://schemas.openxmlformats.org/officeDocument/2006/relationships" xmlns:p="http://schemas.openxmlformats.org/presentationml/2006/main">
   <p:cSld>
     <p:spTree>
@@ -5206,7 +6081,7 @@
 </p:sld>
 </file>
 
-<file path=ppt/slides/slide6.xml><?xml version="1.0" encoding="utf-8"?>
+<file path=ppt/slides/slide7.xml><?xml version="1.0" encoding="utf-8"?>
 <p:sld xmlns:a="http://schemas.openxmlformats.org/drawingml/2006/main" xmlns:r="http://schemas.openxmlformats.org/officeDocument/2006/relationships" xmlns:p="http://schemas.openxmlformats.org/presentationml/2006/main">
   <p:cSld>
     <p:spTree>
@@ -5367,221 +6242,6 @@
 </p:sld>
 </file>
 
-<file path=ppt/slides/slide7.xml><?xml version="1.0" encoding="utf-8"?>
-<p:sld xmlns:a="http://schemas.openxmlformats.org/drawingml/2006/main" xmlns:r="http://schemas.openxmlformats.org/officeDocument/2006/relationships" xmlns:p="http://schemas.openxmlformats.org/presentationml/2006/main">
-  <p:cSld>
-    <p:spTree>
-      <p:nvGrpSpPr>
-        <p:cNvPr id="1" name=""/>
-        <p:cNvGrpSpPr/>
-        <p:nvPr/>
-      </p:nvGrpSpPr>
-      <p:grpSpPr>
-        <a:xfrm>
-          <a:off x="0" y="0"/>
-          <a:ext cx="0" cy="0"/>
-          <a:chOff x="0" y="0"/>
-          <a:chExt cx="0" cy="0"/>
-        </a:xfrm>
-      </p:grpSpPr>
-      <p:sp>
-        <p:nvSpPr>
-          <p:cNvPr id="2" name="Título 1">
-            <a:extLst>
-              <a:ext uri="{FF2B5EF4-FFF2-40B4-BE49-F238E27FC236}">
-                <a16:creationId xmlns:a16="http://schemas.microsoft.com/office/drawing/2014/main" id="{FAAC227F-5E4F-96F1-CE04-432E64AE6F9D}"/>
-              </a:ext>
-            </a:extLst>
-          </p:cNvPr>
-          <p:cNvSpPr>
-            <a:spLocks noGrp="1"/>
-          </p:cNvSpPr>
-          <p:nvPr>
-            <p:ph type="title"/>
-          </p:nvPr>
-        </p:nvSpPr>
-        <p:spPr/>
-        <p:txBody>
-          <a:bodyPr/>
-          <a:lstStyle/>
-          <a:p>
-            <a:r>
-              <a:rPr lang="pt-BR" b="1" i="0" dirty="0">
-                <a:solidFill>
-                  <a:srgbClr val="0D0D0D"/>
-                </a:solidFill>
-                <a:effectLst/>
-                <a:latin typeface="Söhne"/>
-              </a:rPr>
-              <a:t>Box Model</a:t>
-            </a:r>
-            <a:endParaRPr lang="pt-BR" dirty="0"/>
-          </a:p>
-        </p:txBody>
-      </p:sp>
-      <p:sp>
-        <p:nvSpPr>
-          <p:cNvPr id="3" name="Espaço Reservado para Conteúdo 2">
-            <a:extLst>
-              <a:ext uri="{FF2B5EF4-FFF2-40B4-BE49-F238E27FC236}">
-                <a16:creationId xmlns:a16="http://schemas.microsoft.com/office/drawing/2014/main" id="{48C2F1C7-6276-16EF-9DED-9E5F8CFBC6F6}"/>
-              </a:ext>
-            </a:extLst>
-          </p:cNvPr>
-          <p:cNvSpPr>
-            <a:spLocks noGrp="1"/>
-          </p:cNvSpPr>
-          <p:nvPr>
-            <p:ph idx="1"/>
-          </p:nvPr>
-        </p:nvSpPr>
-        <p:spPr/>
-        <p:txBody>
-          <a:bodyPr/>
-          <a:lstStyle/>
-          <a:p>
-            <a:r>
-              <a:rPr lang="pt-BR" b="0" i="0" dirty="0">
-                <a:solidFill>
-                  <a:srgbClr val="0D0D0D"/>
-                </a:solidFill>
-                <a:effectLst/>
-                <a:latin typeface="Söhne"/>
-              </a:rPr>
-              <a:t>O modelo de caixa é um conceito fundamental do CSS que descreve como os elementos HTML são renderizados em relação ao conteúdo, preenchimento, bordas e margens.</a:t>
-            </a:r>
-            <a:endParaRPr lang="pt-BR" dirty="0">
-              <a:solidFill>
-                <a:srgbClr val="0D0D0D"/>
-              </a:solidFill>
-              <a:latin typeface="Söhne"/>
-            </a:endParaRPr>
-          </a:p>
-          <a:p>
-            <a:endParaRPr lang="pt-BR" dirty="0"/>
-          </a:p>
-        </p:txBody>
-      </p:sp>
-      <p:pic>
-        <p:nvPicPr>
-          <p:cNvPr id="1026" name="Picture 2" descr="Basic CSS: The CSS Box Model">
-            <a:extLst>
-              <a:ext uri="{FF2B5EF4-FFF2-40B4-BE49-F238E27FC236}">
-                <a16:creationId xmlns:a16="http://schemas.microsoft.com/office/drawing/2014/main" id="{3FA8738D-542F-5CC0-8421-195779894AA4}"/>
-              </a:ext>
-            </a:extLst>
-          </p:cNvPr>
-          <p:cNvPicPr>
-            <a:picLocks noChangeAspect="1" noChangeArrowheads="1"/>
-          </p:cNvPicPr>
-          <p:nvPr/>
-        </p:nvPicPr>
-        <p:blipFill>
-          <a:blip r:embed="rId2">
-            <a:extLst>
-              <a:ext uri="{28A0092B-C50C-407E-A947-70E740481C1C}">
-                <a14:useLocalDpi xmlns:a14="http://schemas.microsoft.com/office/drawing/2010/main" val="0"/>
-              </a:ext>
-            </a:extLst>
-          </a:blip>
-          <a:srcRect/>
-          <a:stretch>
-            <a:fillRect/>
-          </a:stretch>
-        </p:blipFill>
-        <p:spPr bwMode="auto">
-          <a:xfrm>
-            <a:off x="314324" y="3190875"/>
-            <a:ext cx="6096001" cy="3429000"/>
-          </a:xfrm>
-          <a:prstGeom prst="rect">
-            <a:avLst/>
-          </a:prstGeom>
-          <a:noFill/>
-          <a:extLst>
-            <a:ext uri="{909E8E84-426E-40DD-AFC4-6F175D3DCCD1}">
-              <a14:hiddenFill xmlns:a14="http://schemas.microsoft.com/office/drawing/2010/main">
-                <a:solidFill>
-                  <a:srgbClr val="FFFFFF"/>
-                </a:solidFill>
-              </a14:hiddenFill>
-            </a:ext>
-          </a:extLst>
-        </p:spPr>
-      </p:pic>
-      <p:pic>
-        <p:nvPicPr>
-          <p:cNvPr id="5" name="Imagem 4">
-            <a:extLst>
-              <a:ext uri="{FF2B5EF4-FFF2-40B4-BE49-F238E27FC236}">
-                <a16:creationId xmlns:a16="http://schemas.microsoft.com/office/drawing/2014/main" id="{E5A3629C-07BA-0DF7-6989-5FC71FE05355}"/>
-              </a:ext>
-            </a:extLst>
-          </p:cNvPr>
-          <p:cNvPicPr>
-            <a:picLocks noChangeAspect="1"/>
-          </p:cNvPicPr>
-          <p:nvPr/>
-        </p:nvPicPr>
-        <p:blipFill>
-          <a:blip r:embed="rId3"/>
-          <a:stretch>
-            <a:fillRect/>
-          </a:stretch>
-        </p:blipFill>
-        <p:spPr>
-          <a:xfrm>
-            <a:off x="7314946" y="2647817"/>
-            <a:ext cx="3639058" cy="1905266"/>
-          </a:xfrm>
-          <a:prstGeom prst="rect">
-            <a:avLst/>
-          </a:prstGeom>
-        </p:spPr>
-      </p:pic>
-      <p:pic>
-        <p:nvPicPr>
-          <p:cNvPr id="7" name="Imagem 6">
-            <a:extLst>
-              <a:ext uri="{FF2B5EF4-FFF2-40B4-BE49-F238E27FC236}">
-                <a16:creationId xmlns:a16="http://schemas.microsoft.com/office/drawing/2014/main" id="{423858E5-9CA0-E169-5320-B584520A2E4D}"/>
-              </a:ext>
-            </a:extLst>
-          </p:cNvPr>
-          <p:cNvPicPr>
-            <a:picLocks noChangeAspect="1"/>
-          </p:cNvPicPr>
-          <p:nvPr/>
-        </p:nvPicPr>
-        <p:blipFill>
-          <a:blip r:embed="rId4"/>
-          <a:stretch>
-            <a:fillRect/>
-          </a:stretch>
-        </p:blipFill>
-        <p:spPr>
-          <a:xfrm>
-            <a:off x="8505332" y="4181101"/>
-            <a:ext cx="3534268" cy="2676899"/>
-          </a:xfrm>
-          <a:prstGeom prst="rect">
-            <a:avLst/>
-          </a:prstGeom>
-        </p:spPr>
-      </p:pic>
-    </p:spTree>
-    <p:extLst>
-      <p:ext uri="{BB962C8B-B14F-4D97-AF65-F5344CB8AC3E}">
-        <p14:creationId xmlns:p14="http://schemas.microsoft.com/office/powerpoint/2010/main" val="2729678910"/>
-      </p:ext>
-    </p:extLst>
-  </p:cSld>
-  <p:clrMapOvr>
-    <a:masterClrMapping/>
-  </p:clrMapOvr>
-</p:sld>
-</file>
-
 <file path=ppt/slides/slide8.xml><?xml version="1.0" encoding="utf-8"?>
 <p:sld xmlns:a="http://schemas.openxmlformats.org/drawingml/2006/main" xmlns:r="http://schemas.openxmlformats.org/officeDocument/2006/relationships" xmlns:p="http://schemas.openxmlformats.org/presentationml/2006/main">
   <p:cSld>
@@ -5601,45 +6261,10 @@
       </p:grpSpPr>
       <p:sp>
         <p:nvSpPr>
-          <p:cNvPr id="2" name="Título 1">
-            <a:extLst>
-              <a:ext uri="{FF2B5EF4-FFF2-40B4-BE49-F238E27FC236}">
-                <a16:creationId xmlns:a16="http://schemas.microsoft.com/office/drawing/2014/main" id="{DC2BB764-0894-89C5-5D0E-CAC6C5A24293}"/>
-              </a:ext>
-            </a:extLst>
-          </p:cNvPr>
-          <p:cNvSpPr>
-            <a:spLocks noGrp="1"/>
-          </p:cNvSpPr>
-          <p:nvPr>
-            <p:ph type="title"/>
-          </p:nvPr>
-        </p:nvSpPr>
-        <p:spPr/>
-        <p:txBody>
-          <a:bodyPr/>
-          <a:lstStyle/>
-          <a:p>
-            <a:r>
-              <a:rPr lang="pt-BR" b="1" i="0" dirty="0">
-                <a:solidFill>
-                  <a:srgbClr val="0D0D0D"/>
-                </a:solidFill>
-                <a:effectLst/>
-                <a:latin typeface="Söhne"/>
-              </a:rPr>
-              <a:t>Layout</a:t>
-            </a:r>
-            <a:endParaRPr lang="pt-BR" dirty="0"/>
-          </a:p>
-        </p:txBody>
-      </p:sp>
-      <p:sp>
-        <p:nvSpPr>
           <p:cNvPr id="3" name="Espaço Reservado para Conteúdo 2">
             <a:extLst>
               <a:ext uri="{FF2B5EF4-FFF2-40B4-BE49-F238E27FC236}">
-                <a16:creationId xmlns:a16="http://schemas.microsoft.com/office/drawing/2014/main" id="{1E647A44-2F8B-4673-FAA1-E2C5060304C2}"/>
+                <a16:creationId xmlns:a16="http://schemas.microsoft.com/office/drawing/2014/main" id="{ADCAB22C-0B44-0662-6414-85C8BB0EFA38}"/>
               </a:ext>
             </a:extLst>
           </p:cNvPr>
@@ -5650,112 +6275,769 @@
             <p:ph idx="1"/>
           </p:nvPr>
         </p:nvSpPr>
-        <p:spPr/>
-        <p:txBody>
-          <a:bodyPr/>
-          <a:lstStyle/>
-          <a:p>
-            <a:r>
-              <a:rPr lang="pt-BR" b="0" i="0" dirty="0">
-                <a:solidFill>
-                  <a:srgbClr val="0D0D0D"/>
-                </a:solidFill>
-                <a:effectLst/>
-                <a:latin typeface="Söhne"/>
-              </a:rPr>
-              <a:t>O CSS é usado para controlar o layout de uma página da web. Isso inclui posicionamento de elementos, como flutuação, posicionamento absoluto, relativo, </a:t>
-            </a:r>
-            <a:r>
-              <a:rPr lang="pt-BR" b="0" i="0" dirty="0" err="1">
-                <a:solidFill>
-                  <a:srgbClr val="0D0D0D"/>
-                </a:solidFill>
-                <a:effectLst/>
-                <a:latin typeface="Söhne"/>
-              </a:rPr>
-              <a:t>flexbox</a:t>
-            </a:r>
-            <a:r>
-              <a:rPr lang="pt-BR" b="0" i="0" dirty="0">
-                <a:solidFill>
-                  <a:srgbClr val="0D0D0D"/>
-                </a:solidFill>
-                <a:effectLst/>
-                <a:latin typeface="Söhne"/>
-              </a:rPr>
-              <a:t> e grid layout.</a:t>
-            </a:r>
-            <a:endParaRPr lang="pt-BR" dirty="0"/>
-          </a:p>
-          <a:p>
-            <a:endParaRPr lang="pt-BR" dirty="0"/>
-          </a:p>
-        </p:txBody>
-      </p:sp>
-      <p:pic>
-        <p:nvPicPr>
-          <p:cNvPr id="5" name="Imagem 4">
-            <a:extLst>
-              <a:ext uri="{FF2B5EF4-FFF2-40B4-BE49-F238E27FC236}">
-                <a16:creationId xmlns:a16="http://schemas.microsoft.com/office/drawing/2014/main" id="{9429C09F-A9CB-966C-3A83-FD7738C5F830}"/>
-              </a:ext>
-            </a:extLst>
-          </p:cNvPr>
-          <p:cNvPicPr>
-            <a:picLocks noChangeAspect="1"/>
-          </p:cNvPicPr>
-          <p:nvPr/>
-        </p:nvPicPr>
-        <p:blipFill>
-          <a:blip r:embed="rId2"/>
-          <a:stretch>
-            <a:fillRect/>
-          </a:stretch>
-        </p:blipFill>
         <p:spPr>
           <a:xfrm>
-            <a:off x="323235" y="3714501"/>
-            <a:ext cx="5613440" cy="2267199"/>
+            <a:off x="772886" y="136784"/>
+            <a:ext cx="10515600" cy="6357321"/>
           </a:xfrm>
-          <a:prstGeom prst="rect">
-            <a:avLst/>
-          </a:prstGeom>
         </p:spPr>
-      </p:pic>
-      <p:pic>
-        <p:nvPicPr>
-          <p:cNvPr id="7" name="Imagem 6">
-            <a:extLst>
-              <a:ext uri="{FF2B5EF4-FFF2-40B4-BE49-F238E27FC236}">
-                <a16:creationId xmlns:a16="http://schemas.microsoft.com/office/drawing/2014/main" id="{05AA3D06-AC2F-2BF4-6C40-69611B6AF68E}"/>
-              </a:ext>
-            </a:extLst>
-          </p:cNvPr>
-          <p:cNvPicPr>
-            <a:picLocks noChangeAspect="1"/>
-          </p:cNvPicPr>
-          <p:nvPr/>
-        </p:nvPicPr>
-        <p:blipFill>
-          <a:blip r:embed="rId3"/>
-          <a:stretch>
-            <a:fillRect/>
-          </a:stretch>
-        </p:blipFill>
-        <p:spPr>
-          <a:xfrm>
-            <a:off x="6096000" y="3273056"/>
-            <a:ext cx="5857875" cy="3500823"/>
-          </a:xfrm>
-          <a:prstGeom prst="rect">
-            <a:avLst/>
-          </a:prstGeom>
-        </p:spPr>
-      </p:pic>
+        <p:txBody>
+          <a:bodyPr>
+            <a:normAutofit fontScale="92500" lnSpcReduction="20000"/>
+          </a:bodyPr>
+          <a:lstStyle/>
+          <a:p>
+            <a:pPr marL="0" indent="0">
+              <a:buNone/>
+            </a:pPr>
+            <a:r>
+              <a:rPr lang="pt-BR" b="0" dirty="0">
+                <a:solidFill>
+                  <a:srgbClr val="569CD6"/>
+                </a:solidFill>
+                <a:effectLst/>
+                <a:latin typeface="Consolas" panose="020B0609020204030204" pitchFamily="49" charset="0"/>
+              </a:rPr>
+              <a:t>h1</a:t>
+            </a:r>
+            <a:r>
+              <a:rPr lang="pt-BR" b="0" dirty="0">
+                <a:solidFill>
+                  <a:srgbClr val="D4D4D4"/>
+                </a:solidFill>
+                <a:effectLst/>
+                <a:latin typeface="Consolas" panose="020B0609020204030204" pitchFamily="49" charset="0"/>
+              </a:rPr>
+              <a:t> {</a:t>
+            </a:r>
+            <a:endParaRPr lang="pt-BR" b="0" dirty="0">
+              <a:solidFill>
+                <a:srgbClr val="CCCCCC"/>
+              </a:solidFill>
+              <a:effectLst/>
+              <a:latin typeface="Consolas" panose="020B0609020204030204" pitchFamily="49" charset="0"/>
+            </a:endParaRPr>
+          </a:p>
+          <a:p>
+            <a:pPr marL="0" indent="0">
+              <a:buNone/>
+            </a:pPr>
+            <a:r>
+              <a:rPr lang="pt-BR" b="0" dirty="0">
+                <a:solidFill>
+                  <a:srgbClr val="D4D4D4"/>
+                </a:solidFill>
+                <a:effectLst/>
+                <a:latin typeface="Consolas" panose="020B0609020204030204" pitchFamily="49" charset="0"/>
+              </a:rPr>
+              <a:t>   </a:t>
+            </a:r>
+            <a:r>
+              <a:rPr lang="pt-BR" b="0" dirty="0" err="1">
+                <a:solidFill>
+                  <a:srgbClr val="9CDCFE"/>
+                </a:solidFill>
+                <a:effectLst/>
+                <a:latin typeface="Consolas" panose="020B0609020204030204" pitchFamily="49" charset="0"/>
+              </a:rPr>
+              <a:t>color</a:t>
+            </a:r>
+            <a:r>
+              <a:rPr lang="pt-BR" b="0" dirty="0" err="1">
+                <a:solidFill>
+                  <a:srgbClr val="D4D4D4"/>
+                </a:solidFill>
+                <a:effectLst/>
+                <a:latin typeface="Consolas" panose="020B0609020204030204" pitchFamily="49" charset="0"/>
+              </a:rPr>
+              <a:t>:</a:t>
+            </a:r>
+            <a:r>
+              <a:rPr lang="pt-BR" b="0" dirty="0" err="1">
+                <a:solidFill>
+                  <a:srgbClr val="CE9178"/>
+                </a:solidFill>
+                <a:effectLst/>
+                <a:latin typeface="Consolas" panose="020B0609020204030204" pitchFamily="49" charset="0"/>
+              </a:rPr>
+              <a:t>red</a:t>
+            </a:r>
+            <a:r>
+              <a:rPr lang="pt-BR" b="0" dirty="0">
+                <a:solidFill>
+                  <a:srgbClr val="D4D4D4"/>
+                </a:solidFill>
+                <a:effectLst/>
+                <a:latin typeface="Consolas" panose="020B0609020204030204" pitchFamily="49" charset="0"/>
+              </a:rPr>
+              <a:t>;</a:t>
+            </a:r>
+            <a:endParaRPr lang="pt-BR" b="0" dirty="0">
+              <a:solidFill>
+                <a:srgbClr val="CCCCCC"/>
+              </a:solidFill>
+              <a:effectLst/>
+              <a:latin typeface="Consolas" panose="020B0609020204030204" pitchFamily="49" charset="0"/>
+            </a:endParaRPr>
+          </a:p>
+          <a:p>
+            <a:pPr marL="0" indent="0">
+              <a:buNone/>
+            </a:pPr>
+            <a:r>
+              <a:rPr lang="pt-BR" b="0" dirty="0">
+                <a:solidFill>
+                  <a:srgbClr val="D4D4D4"/>
+                </a:solidFill>
+                <a:effectLst/>
+                <a:latin typeface="Consolas" panose="020B0609020204030204" pitchFamily="49" charset="0"/>
+              </a:rPr>
+              <a:t>}</a:t>
+            </a:r>
+            <a:endParaRPr lang="pt-BR" b="0" dirty="0">
+              <a:solidFill>
+                <a:srgbClr val="CCCCCC"/>
+              </a:solidFill>
+              <a:effectLst/>
+              <a:latin typeface="Consolas" panose="020B0609020204030204" pitchFamily="49" charset="0"/>
+            </a:endParaRPr>
+          </a:p>
+          <a:p>
+            <a:pPr marL="0" indent="0">
+              <a:buNone/>
+            </a:pPr>
+            <a:r>
+              <a:rPr lang="pt-BR" b="0" dirty="0">
+                <a:solidFill>
+                  <a:srgbClr val="D7BA7D"/>
+                </a:solidFill>
+                <a:effectLst/>
+                <a:latin typeface="Consolas" panose="020B0609020204030204" pitchFamily="49" charset="0"/>
+              </a:rPr>
+              <a:t>#cabecalho</a:t>
+            </a:r>
+            <a:r>
+              <a:rPr lang="pt-BR" b="0" dirty="0">
+                <a:solidFill>
+                  <a:srgbClr val="D4D4D4"/>
+                </a:solidFill>
+                <a:effectLst/>
+                <a:latin typeface="Consolas" panose="020B0609020204030204" pitchFamily="49" charset="0"/>
+              </a:rPr>
+              <a:t> {</a:t>
+            </a:r>
+            <a:endParaRPr lang="pt-BR" b="0" dirty="0">
+              <a:solidFill>
+                <a:srgbClr val="CCCCCC"/>
+              </a:solidFill>
+              <a:effectLst/>
+              <a:latin typeface="Consolas" panose="020B0609020204030204" pitchFamily="49" charset="0"/>
+            </a:endParaRPr>
+          </a:p>
+          <a:p>
+            <a:pPr marL="0" indent="0">
+              <a:buNone/>
+            </a:pPr>
+            <a:r>
+              <a:rPr lang="pt-BR" b="0" dirty="0">
+                <a:solidFill>
+                  <a:srgbClr val="D4D4D4"/>
+                </a:solidFill>
+                <a:effectLst/>
+                <a:latin typeface="Consolas" panose="020B0609020204030204" pitchFamily="49" charset="0"/>
+              </a:rPr>
+              <a:t>   </a:t>
+            </a:r>
+            <a:r>
+              <a:rPr lang="pt-BR" b="0" dirty="0">
+                <a:solidFill>
+                  <a:srgbClr val="9CDCFE"/>
+                </a:solidFill>
+                <a:effectLst/>
+                <a:latin typeface="Consolas" panose="020B0609020204030204" pitchFamily="49" charset="0"/>
+              </a:rPr>
+              <a:t>color</a:t>
+            </a:r>
+            <a:r>
+              <a:rPr lang="pt-BR" b="0" dirty="0">
+                <a:solidFill>
+                  <a:srgbClr val="D4D4D4"/>
+                </a:solidFill>
+                <a:effectLst/>
+                <a:latin typeface="Consolas" panose="020B0609020204030204" pitchFamily="49" charset="0"/>
+              </a:rPr>
+              <a:t>: </a:t>
+            </a:r>
+            <a:r>
+              <a:rPr lang="pt-BR" b="0" dirty="0">
+                <a:solidFill>
+                  <a:srgbClr val="CE9178"/>
+                </a:solidFill>
+                <a:effectLst/>
+                <a:latin typeface="Consolas" panose="020B0609020204030204" pitchFamily="49" charset="0"/>
+              </a:rPr>
+              <a:t>blue</a:t>
+            </a:r>
+            <a:r>
+              <a:rPr lang="pt-BR" b="0" dirty="0">
+                <a:solidFill>
+                  <a:srgbClr val="D4D4D4"/>
+                </a:solidFill>
+                <a:effectLst/>
+                <a:latin typeface="Consolas" panose="020B0609020204030204" pitchFamily="49" charset="0"/>
+              </a:rPr>
+              <a:t>;</a:t>
+            </a:r>
+            <a:endParaRPr lang="pt-BR" b="0" dirty="0">
+              <a:solidFill>
+                <a:srgbClr val="CCCCCC"/>
+              </a:solidFill>
+              <a:effectLst/>
+              <a:latin typeface="Consolas" panose="020B0609020204030204" pitchFamily="49" charset="0"/>
+            </a:endParaRPr>
+          </a:p>
+          <a:p>
+            <a:pPr marL="0" indent="0">
+              <a:buNone/>
+            </a:pPr>
+            <a:r>
+              <a:rPr lang="pt-BR" b="0" dirty="0">
+                <a:solidFill>
+                  <a:srgbClr val="D4D4D4"/>
+                </a:solidFill>
+                <a:effectLst/>
+                <a:latin typeface="Consolas" panose="020B0609020204030204" pitchFamily="49" charset="0"/>
+              </a:rPr>
+              <a:t>}</a:t>
+            </a:r>
+            <a:endParaRPr lang="pt-BR" b="0" dirty="0">
+              <a:solidFill>
+                <a:srgbClr val="CCCCCC"/>
+              </a:solidFill>
+              <a:effectLst/>
+              <a:latin typeface="Consolas" panose="020B0609020204030204" pitchFamily="49" charset="0"/>
+            </a:endParaRPr>
+          </a:p>
+          <a:p>
+            <a:pPr marL="0" indent="0">
+              <a:buNone/>
+            </a:pPr>
+            <a:r>
+              <a:rPr lang="pt-BR" b="0" dirty="0">
+                <a:solidFill>
+                  <a:srgbClr val="D7BA7D"/>
+                </a:solidFill>
+                <a:effectLst/>
+                <a:latin typeface="Consolas" panose="020B0609020204030204" pitchFamily="49" charset="0"/>
+              </a:rPr>
+              <a:t>.destaque</a:t>
+            </a:r>
+            <a:r>
+              <a:rPr lang="pt-BR" b="0" dirty="0">
+                <a:solidFill>
+                  <a:srgbClr val="D4D4D4"/>
+                </a:solidFill>
+                <a:effectLst/>
+                <a:latin typeface="Consolas" panose="020B0609020204030204" pitchFamily="49" charset="0"/>
+              </a:rPr>
+              <a:t> {</a:t>
+            </a:r>
+            <a:endParaRPr lang="pt-BR" b="0" dirty="0">
+              <a:solidFill>
+                <a:srgbClr val="CCCCCC"/>
+              </a:solidFill>
+              <a:effectLst/>
+              <a:latin typeface="Consolas" panose="020B0609020204030204" pitchFamily="49" charset="0"/>
+            </a:endParaRPr>
+          </a:p>
+          <a:p>
+            <a:pPr marL="0" indent="0">
+              <a:buNone/>
+            </a:pPr>
+            <a:r>
+              <a:rPr lang="pt-BR" b="0" dirty="0">
+                <a:solidFill>
+                  <a:srgbClr val="D4D4D4"/>
+                </a:solidFill>
+                <a:effectLst/>
+                <a:latin typeface="Consolas" panose="020B0609020204030204" pitchFamily="49" charset="0"/>
+              </a:rPr>
+              <a:t>   </a:t>
+            </a:r>
+            <a:r>
+              <a:rPr lang="pt-BR" b="0" dirty="0">
+                <a:solidFill>
+                  <a:srgbClr val="9CDCFE"/>
+                </a:solidFill>
+                <a:effectLst/>
+                <a:latin typeface="Consolas" panose="020B0609020204030204" pitchFamily="49" charset="0"/>
+              </a:rPr>
+              <a:t>color</a:t>
+            </a:r>
+            <a:r>
+              <a:rPr lang="pt-BR" b="0" dirty="0">
+                <a:solidFill>
+                  <a:srgbClr val="D4D4D4"/>
+                </a:solidFill>
+                <a:effectLst/>
+                <a:latin typeface="Consolas" panose="020B0609020204030204" pitchFamily="49" charset="0"/>
+              </a:rPr>
+              <a:t>: </a:t>
+            </a:r>
+            <a:r>
+              <a:rPr lang="pt-BR" b="0" dirty="0" err="1">
+                <a:solidFill>
+                  <a:srgbClr val="CE9178"/>
+                </a:solidFill>
+                <a:effectLst/>
+                <a:latin typeface="Consolas" panose="020B0609020204030204" pitchFamily="49" charset="0"/>
+              </a:rPr>
+              <a:t>green</a:t>
+            </a:r>
+            <a:r>
+              <a:rPr lang="pt-BR" b="0" dirty="0">
+                <a:solidFill>
+                  <a:srgbClr val="D4D4D4"/>
+                </a:solidFill>
+                <a:effectLst/>
+                <a:latin typeface="Consolas" panose="020B0609020204030204" pitchFamily="49" charset="0"/>
+              </a:rPr>
+              <a:t>;</a:t>
+            </a:r>
+            <a:endParaRPr lang="pt-BR" b="0" dirty="0">
+              <a:solidFill>
+                <a:srgbClr val="CCCCCC"/>
+              </a:solidFill>
+              <a:effectLst/>
+              <a:latin typeface="Consolas" panose="020B0609020204030204" pitchFamily="49" charset="0"/>
+            </a:endParaRPr>
+          </a:p>
+          <a:p>
+            <a:pPr marL="0" indent="0">
+              <a:buNone/>
+            </a:pPr>
+            <a:r>
+              <a:rPr lang="pt-BR" b="0" dirty="0">
+                <a:solidFill>
+                  <a:srgbClr val="D4D4D4"/>
+                </a:solidFill>
+                <a:effectLst/>
+                <a:latin typeface="Consolas" panose="020B0609020204030204" pitchFamily="49" charset="0"/>
+              </a:rPr>
+              <a:t>}</a:t>
+            </a:r>
+            <a:endParaRPr lang="pt-BR" b="0" dirty="0">
+              <a:solidFill>
+                <a:srgbClr val="CCCCCC"/>
+              </a:solidFill>
+              <a:effectLst/>
+              <a:latin typeface="Consolas" panose="020B0609020204030204" pitchFamily="49" charset="0"/>
+            </a:endParaRPr>
+          </a:p>
+          <a:p>
+            <a:pPr marL="0" indent="0">
+              <a:buNone/>
+            </a:pPr>
+            <a:endParaRPr lang="pt-BR" dirty="0"/>
+          </a:p>
+          <a:p>
+            <a:pPr marL="0" indent="0">
+              <a:buNone/>
+            </a:pPr>
+            <a:r>
+              <a:rPr lang="pt-BR" b="0" dirty="0">
+                <a:solidFill>
+                  <a:srgbClr val="808080"/>
+                </a:solidFill>
+                <a:effectLst/>
+                <a:latin typeface="Consolas" panose="020B0609020204030204" pitchFamily="49" charset="0"/>
+              </a:rPr>
+              <a:t>&lt;</a:t>
+            </a:r>
+            <a:r>
+              <a:rPr lang="pt-BR" b="0" dirty="0">
+                <a:solidFill>
+                  <a:srgbClr val="569CD6"/>
+                </a:solidFill>
+                <a:effectLst/>
+                <a:latin typeface="Consolas" panose="020B0609020204030204" pitchFamily="49" charset="0"/>
+              </a:rPr>
+              <a:t>h2</a:t>
+            </a:r>
+            <a:r>
+              <a:rPr lang="pt-BR" b="0" dirty="0">
+                <a:solidFill>
+                  <a:srgbClr val="808080"/>
+                </a:solidFill>
+                <a:effectLst/>
+                <a:latin typeface="Consolas" panose="020B0609020204030204" pitchFamily="49" charset="0"/>
+              </a:rPr>
+              <a:t>&gt;</a:t>
+            </a:r>
+            <a:r>
+              <a:rPr lang="pt-BR" b="0" dirty="0">
+                <a:solidFill>
+                  <a:srgbClr val="CCCCCC"/>
+                </a:solidFill>
+                <a:effectLst/>
+                <a:latin typeface="Consolas" panose="020B0609020204030204" pitchFamily="49" charset="0"/>
+              </a:rPr>
+              <a:t> Exemplo de cascata e especificidade </a:t>
+            </a:r>
+            <a:r>
+              <a:rPr lang="pt-BR" b="0" dirty="0">
+                <a:solidFill>
+                  <a:srgbClr val="808080"/>
+                </a:solidFill>
+                <a:effectLst/>
+                <a:latin typeface="Consolas" panose="020B0609020204030204" pitchFamily="49" charset="0"/>
+              </a:rPr>
+              <a:t>&lt;/</a:t>
+            </a:r>
+            <a:r>
+              <a:rPr lang="pt-BR" b="0" dirty="0">
+                <a:solidFill>
+                  <a:srgbClr val="569CD6"/>
+                </a:solidFill>
+                <a:effectLst/>
+                <a:latin typeface="Consolas" panose="020B0609020204030204" pitchFamily="49" charset="0"/>
+              </a:rPr>
+              <a:t>h2</a:t>
+            </a:r>
+            <a:r>
+              <a:rPr lang="pt-BR" b="0" dirty="0">
+                <a:solidFill>
+                  <a:srgbClr val="808080"/>
+                </a:solidFill>
+                <a:effectLst/>
+                <a:latin typeface="Consolas" panose="020B0609020204030204" pitchFamily="49" charset="0"/>
+              </a:rPr>
+              <a:t>&gt;</a:t>
+            </a:r>
+            <a:endParaRPr lang="pt-BR" b="0" dirty="0">
+              <a:solidFill>
+                <a:srgbClr val="CCCCCC"/>
+              </a:solidFill>
+              <a:effectLst/>
+              <a:latin typeface="Consolas" panose="020B0609020204030204" pitchFamily="49" charset="0"/>
+            </a:endParaRPr>
+          </a:p>
+          <a:p>
+            <a:pPr marL="0" indent="0">
+              <a:buNone/>
+            </a:pPr>
+            <a:r>
+              <a:rPr lang="pt-BR" b="0" dirty="0">
+                <a:solidFill>
+                  <a:srgbClr val="808080"/>
+                </a:solidFill>
+                <a:effectLst/>
+                <a:latin typeface="Consolas" panose="020B0609020204030204" pitchFamily="49" charset="0"/>
+              </a:rPr>
+              <a:t>&lt;</a:t>
+            </a:r>
+            <a:r>
+              <a:rPr lang="pt-BR" b="0" dirty="0" err="1">
+                <a:solidFill>
+                  <a:srgbClr val="569CD6"/>
+                </a:solidFill>
+                <a:effectLst/>
+                <a:latin typeface="Consolas" panose="020B0609020204030204" pitchFamily="49" charset="0"/>
+              </a:rPr>
+              <a:t>div</a:t>
+            </a:r>
+            <a:r>
+              <a:rPr lang="pt-BR" b="0" dirty="0">
+                <a:solidFill>
+                  <a:srgbClr val="CCCCCC"/>
+                </a:solidFill>
+                <a:effectLst/>
+                <a:latin typeface="Consolas" panose="020B0609020204030204" pitchFamily="49" charset="0"/>
+              </a:rPr>
+              <a:t> </a:t>
+            </a:r>
+            <a:r>
+              <a:rPr lang="pt-BR" b="0" dirty="0">
+                <a:solidFill>
+                  <a:srgbClr val="9CDCFE"/>
+                </a:solidFill>
+                <a:effectLst/>
+                <a:latin typeface="Consolas" panose="020B0609020204030204" pitchFamily="49" charset="0"/>
+              </a:rPr>
+              <a:t>id</a:t>
+            </a:r>
+            <a:r>
+              <a:rPr lang="pt-BR" b="0" dirty="0">
+                <a:solidFill>
+                  <a:srgbClr val="CCCCCC"/>
+                </a:solidFill>
+                <a:effectLst/>
+                <a:latin typeface="Consolas" panose="020B0609020204030204" pitchFamily="49" charset="0"/>
+              </a:rPr>
+              <a:t>=</a:t>
+            </a:r>
+            <a:r>
+              <a:rPr lang="pt-BR" b="0" dirty="0">
+                <a:solidFill>
+                  <a:srgbClr val="CE9178"/>
+                </a:solidFill>
+                <a:effectLst/>
+                <a:latin typeface="Consolas" panose="020B0609020204030204" pitchFamily="49" charset="0"/>
+              </a:rPr>
+              <a:t>"</a:t>
+            </a:r>
+            <a:r>
+              <a:rPr lang="pt-BR" b="0" dirty="0" err="1">
+                <a:solidFill>
+                  <a:srgbClr val="CE9178"/>
+                </a:solidFill>
+                <a:effectLst/>
+                <a:latin typeface="Consolas" panose="020B0609020204030204" pitchFamily="49" charset="0"/>
+              </a:rPr>
+              <a:t>cabecalho</a:t>
+            </a:r>
+            <a:r>
+              <a:rPr lang="pt-BR" b="0" dirty="0">
+                <a:solidFill>
+                  <a:srgbClr val="CE9178"/>
+                </a:solidFill>
+                <a:effectLst/>
+                <a:latin typeface="Consolas" panose="020B0609020204030204" pitchFamily="49" charset="0"/>
+              </a:rPr>
+              <a:t>"</a:t>
+            </a:r>
+            <a:r>
+              <a:rPr lang="pt-BR" b="0" dirty="0">
+                <a:solidFill>
+                  <a:srgbClr val="808080"/>
+                </a:solidFill>
+                <a:effectLst/>
+                <a:latin typeface="Consolas" panose="020B0609020204030204" pitchFamily="49" charset="0"/>
+              </a:rPr>
+              <a:t>&gt;</a:t>
+            </a:r>
+            <a:endParaRPr lang="pt-BR" b="0" dirty="0">
+              <a:solidFill>
+                <a:srgbClr val="CCCCCC"/>
+              </a:solidFill>
+              <a:effectLst/>
+              <a:latin typeface="Consolas" panose="020B0609020204030204" pitchFamily="49" charset="0"/>
+            </a:endParaRPr>
+          </a:p>
+          <a:p>
+            <a:pPr marL="0" indent="0">
+              <a:buNone/>
+            </a:pPr>
+            <a:r>
+              <a:rPr lang="pt-BR" b="0" dirty="0">
+                <a:solidFill>
+                  <a:srgbClr val="CCCCCC"/>
+                </a:solidFill>
+                <a:effectLst/>
+                <a:latin typeface="Consolas" panose="020B0609020204030204" pitchFamily="49" charset="0"/>
+              </a:rPr>
+              <a:t>     </a:t>
+            </a:r>
+            <a:r>
+              <a:rPr lang="pt-BR" b="0" dirty="0" err="1">
+                <a:solidFill>
+                  <a:srgbClr val="CCCCCC"/>
+                </a:solidFill>
+                <a:effectLst/>
+                <a:latin typeface="Consolas" panose="020B0609020204030204" pitchFamily="49" charset="0"/>
+              </a:rPr>
+              <a:t>dasdasdas</a:t>
+            </a:r>
+            <a:endParaRPr lang="pt-BR" b="0" dirty="0">
+              <a:solidFill>
+                <a:srgbClr val="CCCCCC"/>
+              </a:solidFill>
+              <a:effectLst/>
+              <a:latin typeface="Consolas" panose="020B0609020204030204" pitchFamily="49" charset="0"/>
+            </a:endParaRPr>
+          </a:p>
+          <a:p>
+            <a:pPr marL="0" indent="0">
+              <a:buNone/>
+            </a:pPr>
+            <a:r>
+              <a:rPr lang="pt-BR" dirty="0">
+                <a:solidFill>
+                  <a:srgbClr val="CCCCCC"/>
+                </a:solidFill>
+                <a:latin typeface="Consolas" panose="020B0609020204030204" pitchFamily="49" charset="0"/>
+              </a:rPr>
+              <a:t>     </a:t>
+            </a:r>
+            <a:r>
+              <a:rPr lang="pt-BR" b="0" dirty="0">
+                <a:solidFill>
+                  <a:srgbClr val="808080"/>
+                </a:solidFill>
+                <a:effectLst/>
+                <a:latin typeface="Consolas" panose="020B0609020204030204" pitchFamily="49" charset="0"/>
+              </a:rPr>
+              <a:t>&lt;</a:t>
+            </a:r>
+            <a:r>
+              <a:rPr lang="pt-BR" b="0" dirty="0">
+                <a:solidFill>
+                  <a:srgbClr val="569CD6"/>
+                </a:solidFill>
+                <a:effectLst/>
+                <a:latin typeface="Consolas" panose="020B0609020204030204" pitchFamily="49" charset="0"/>
+              </a:rPr>
+              <a:t>h1</a:t>
+            </a:r>
+            <a:r>
+              <a:rPr lang="pt-BR" b="0" dirty="0">
+                <a:solidFill>
+                  <a:srgbClr val="CCCCCC"/>
+                </a:solidFill>
+                <a:effectLst/>
+                <a:latin typeface="Consolas" panose="020B0609020204030204" pitchFamily="49" charset="0"/>
+              </a:rPr>
+              <a:t> </a:t>
+            </a:r>
+            <a:r>
+              <a:rPr lang="pt-BR" b="0" dirty="0" err="1">
+                <a:solidFill>
+                  <a:srgbClr val="9CDCFE"/>
+                </a:solidFill>
+                <a:effectLst/>
+                <a:latin typeface="Consolas" panose="020B0609020204030204" pitchFamily="49" charset="0"/>
+              </a:rPr>
+              <a:t>class</a:t>
+            </a:r>
+            <a:r>
+              <a:rPr lang="pt-BR" b="0" dirty="0">
+                <a:solidFill>
+                  <a:srgbClr val="CCCCCC"/>
+                </a:solidFill>
+                <a:effectLst/>
+                <a:latin typeface="Consolas" panose="020B0609020204030204" pitchFamily="49" charset="0"/>
+              </a:rPr>
+              <a:t>=</a:t>
+            </a:r>
+            <a:r>
+              <a:rPr lang="pt-BR" b="0" dirty="0">
+                <a:solidFill>
+                  <a:srgbClr val="CE9178"/>
+                </a:solidFill>
+                <a:effectLst/>
+                <a:latin typeface="Consolas" panose="020B0609020204030204" pitchFamily="49" charset="0"/>
+              </a:rPr>
+              <a:t>"destaque"</a:t>
+            </a:r>
+            <a:r>
+              <a:rPr lang="pt-BR" b="0" dirty="0">
+                <a:solidFill>
+                  <a:srgbClr val="808080"/>
+                </a:solidFill>
+                <a:effectLst/>
+                <a:latin typeface="Consolas" panose="020B0609020204030204" pitchFamily="49" charset="0"/>
+              </a:rPr>
+              <a:t>&gt;</a:t>
+            </a:r>
+            <a:r>
+              <a:rPr lang="pt-BR" b="0" dirty="0">
+                <a:solidFill>
+                  <a:srgbClr val="CCCCCC"/>
+                </a:solidFill>
+                <a:effectLst/>
+                <a:latin typeface="Consolas" panose="020B0609020204030204" pitchFamily="49" charset="0"/>
+              </a:rPr>
+              <a:t> Título </a:t>
+            </a:r>
+            <a:r>
+              <a:rPr lang="pt-BR" b="0" dirty="0">
+                <a:solidFill>
+                  <a:srgbClr val="808080"/>
+                </a:solidFill>
+                <a:effectLst/>
+                <a:latin typeface="Consolas" panose="020B0609020204030204" pitchFamily="49" charset="0"/>
+              </a:rPr>
+              <a:t>&lt;/</a:t>
+            </a:r>
+            <a:r>
+              <a:rPr lang="pt-BR" b="0" dirty="0">
+                <a:solidFill>
+                  <a:srgbClr val="569CD6"/>
+                </a:solidFill>
+                <a:effectLst/>
+                <a:latin typeface="Consolas" panose="020B0609020204030204" pitchFamily="49" charset="0"/>
+              </a:rPr>
+              <a:t>h1</a:t>
+            </a:r>
+            <a:r>
+              <a:rPr lang="pt-BR" b="0" dirty="0">
+                <a:solidFill>
+                  <a:srgbClr val="808080"/>
+                </a:solidFill>
+                <a:effectLst/>
+                <a:latin typeface="Consolas" panose="020B0609020204030204" pitchFamily="49" charset="0"/>
+              </a:rPr>
+              <a:t>&gt;</a:t>
+            </a:r>
+            <a:endParaRPr lang="pt-BR" b="0" dirty="0">
+              <a:solidFill>
+                <a:srgbClr val="CCCCCC"/>
+              </a:solidFill>
+              <a:effectLst/>
+              <a:latin typeface="Consolas" panose="020B0609020204030204" pitchFamily="49" charset="0"/>
+            </a:endParaRPr>
+          </a:p>
+          <a:p>
+            <a:pPr marL="0" indent="0">
+              <a:buNone/>
+            </a:pPr>
+            <a:r>
+              <a:rPr lang="pt-BR" b="0" dirty="0">
+                <a:solidFill>
+                  <a:srgbClr val="808080"/>
+                </a:solidFill>
+                <a:effectLst/>
+                <a:latin typeface="Consolas" panose="020B0609020204030204" pitchFamily="49" charset="0"/>
+              </a:rPr>
+              <a:t>&lt;/</a:t>
+            </a:r>
+            <a:r>
+              <a:rPr lang="pt-BR" b="0" dirty="0" err="1">
+                <a:solidFill>
+                  <a:srgbClr val="569CD6"/>
+                </a:solidFill>
+                <a:effectLst/>
+                <a:latin typeface="Consolas" panose="020B0609020204030204" pitchFamily="49" charset="0"/>
+              </a:rPr>
+              <a:t>div</a:t>
+            </a:r>
+            <a:r>
+              <a:rPr lang="pt-BR" b="0" dirty="0">
+                <a:solidFill>
+                  <a:srgbClr val="808080"/>
+                </a:solidFill>
+                <a:effectLst/>
+                <a:latin typeface="Consolas" panose="020B0609020204030204" pitchFamily="49" charset="0"/>
+              </a:rPr>
+              <a:t>&gt;</a:t>
+            </a:r>
+            <a:endParaRPr lang="pt-BR" b="0" dirty="0">
+              <a:solidFill>
+                <a:srgbClr val="CCCCCC"/>
+              </a:solidFill>
+              <a:effectLst/>
+              <a:latin typeface="Consolas" panose="020B0609020204030204" pitchFamily="49" charset="0"/>
+            </a:endParaRPr>
+          </a:p>
+          <a:p>
+            <a:endParaRPr lang="pt-BR" dirty="0"/>
+          </a:p>
+        </p:txBody>
+      </p:sp>
     </p:spTree>
     <p:extLst>
       <p:ext uri="{BB962C8B-B14F-4D97-AF65-F5344CB8AC3E}">
-        <p14:creationId xmlns:p14="http://schemas.microsoft.com/office/powerpoint/2010/main" val="1091778900"/>
+        <p14:creationId xmlns:p14="http://schemas.microsoft.com/office/powerpoint/2010/main" val="498884194"/>
       </p:ext>
     </p:extLst>
   </p:cSld>
@@ -5787,7 +7069,7 @@
           <p:cNvPr id="2" name="Título 1">
             <a:extLst>
               <a:ext uri="{FF2B5EF4-FFF2-40B4-BE49-F238E27FC236}">
-                <a16:creationId xmlns:a16="http://schemas.microsoft.com/office/drawing/2014/main" id="{F82AD709-E762-D769-073B-CE49ADB28FCE}"/>
+                <a16:creationId xmlns:a16="http://schemas.microsoft.com/office/drawing/2014/main" id="{FAAC227F-5E4F-96F1-CE04-432E64AE6F9D}"/>
               </a:ext>
             </a:extLst>
           </p:cNvPr>
@@ -5811,7 +7093,7 @@
                 <a:effectLst/>
                 <a:latin typeface="Söhne"/>
               </a:rPr>
-              <a:t>Media Queries</a:t>
+              <a:t>Box Model</a:t>
             </a:r>
             <a:endParaRPr lang="pt-BR" dirty="0"/>
           </a:p>
@@ -5822,7 +7104,7 @@
           <p:cNvPr id="3" name="Espaço Reservado para Conteúdo 2">
             <a:extLst>
               <a:ext uri="{FF2B5EF4-FFF2-40B4-BE49-F238E27FC236}">
-                <a16:creationId xmlns:a16="http://schemas.microsoft.com/office/drawing/2014/main" id="{95EC1DF1-95B0-363E-D2B8-381AE103EB18}"/>
+                <a16:creationId xmlns:a16="http://schemas.microsoft.com/office/drawing/2014/main" id="{48C2F1C7-6276-16EF-9DED-9E5F8CFBC6F6}"/>
               </a:ext>
             </a:extLst>
           </p:cNvPr>
@@ -5838,9 +7120,6 @@
           <a:bodyPr/>
           <a:lstStyle/>
           <a:p>
-            <a:pPr marL="0" indent="0" algn="l">
-              <a:buNone/>
-            </a:pPr>
             <a:r>
               <a:rPr lang="pt-BR" b="0" i="0" dirty="0">
                 <a:solidFill>
@@ -5849,8 +7128,14 @@
                 <a:effectLst/>
                 <a:latin typeface="Söhne"/>
               </a:rPr>
-              <a:t>As Media Queries permitem que você aplique estilos diferentes com base nas características do dispositivo, como largura da tela, tipo de dispositivo ou orientação.</a:t>
-            </a:r>
+              <a:t>O modelo de caixa é um conceito fundamental do CSS que descreve como os elementos HTML são renderizados em relação ao conteúdo, preenchimento, bordas e margens.</a:t>
+            </a:r>
+            <a:endParaRPr lang="pt-BR" dirty="0">
+              <a:solidFill>
+                <a:srgbClr val="0D0D0D"/>
+              </a:solidFill>
+              <a:latin typeface="Söhne"/>
+            </a:endParaRPr>
           </a:p>
           <a:p>
             <a:endParaRPr lang="pt-BR" dirty="0"/>
@@ -5859,40 +7144,57 @@
       </p:sp>
       <p:pic>
         <p:nvPicPr>
-          <p:cNvPr id="7" name="Imagem 6">
-            <a:extLst>
-              <a:ext uri="{FF2B5EF4-FFF2-40B4-BE49-F238E27FC236}">
-                <a16:creationId xmlns:a16="http://schemas.microsoft.com/office/drawing/2014/main" id="{16B0B7FE-3C55-A05F-BADA-258421CE10E3}"/>
+          <p:cNvPr id="1026" name="Picture 2" descr="Basic CSS: The CSS Box Model">
+            <a:extLst>
+              <a:ext uri="{FF2B5EF4-FFF2-40B4-BE49-F238E27FC236}">
+                <a16:creationId xmlns:a16="http://schemas.microsoft.com/office/drawing/2014/main" id="{3FA8738D-542F-5CC0-8421-195779894AA4}"/>
               </a:ext>
             </a:extLst>
           </p:cNvPr>
           <p:cNvPicPr>
-            <a:picLocks noChangeAspect="1"/>
+            <a:picLocks noChangeAspect="1" noChangeArrowheads="1"/>
           </p:cNvPicPr>
           <p:nvPr/>
         </p:nvPicPr>
         <p:blipFill>
-          <a:blip r:embed="rId2"/>
+          <a:blip r:embed="rId2">
+            <a:extLst>
+              <a:ext uri="{28A0092B-C50C-407E-A947-70E740481C1C}">
+                <a14:useLocalDpi xmlns:a14="http://schemas.microsoft.com/office/drawing/2010/main" val="0"/>
+              </a:ext>
+            </a:extLst>
+          </a:blip>
+          <a:srcRect/>
           <a:stretch>
             <a:fillRect/>
           </a:stretch>
         </p:blipFill>
-        <p:spPr>
+        <p:spPr bwMode="auto">
           <a:xfrm>
-            <a:off x="5907157" y="2778318"/>
-            <a:ext cx="5776251" cy="3955857"/>
+            <a:off x="314324" y="3190875"/>
+            <a:ext cx="6096001" cy="3429000"/>
           </a:xfrm>
           <a:prstGeom prst="rect">
             <a:avLst/>
           </a:prstGeom>
+          <a:noFill/>
+          <a:extLst>
+            <a:ext uri="{909E8E84-426E-40DD-AFC4-6F175D3DCCD1}">
+              <a14:hiddenFill xmlns:a14="http://schemas.microsoft.com/office/drawing/2010/main">
+                <a:solidFill>
+                  <a:srgbClr val="FFFFFF"/>
+                </a:solidFill>
+              </a14:hiddenFill>
+            </a:ext>
+          </a:extLst>
         </p:spPr>
       </p:pic>
       <p:pic>
         <p:nvPicPr>
-          <p:cNvPr id="9" name="Imagem 8">
-            <a:extLst>
-              <a:ext uri="{FF2B5EF4-FFF2-40B4-BE49-F238E27FC236}">
-                <a16:creationId xmlns:a16="http://schemas.microsoft.com/office/drawing/2014/main" id="{6192C6AF-1348-7013-1B8E-689A5FF94C90}"/>
+          <p:cNvPr id="5" name="Imagem 4">
+            <a:extLst>
+              <a:ext uri="{FF2B5EF4-FFF2-40B4-BE49-F238E27FC236}">
+                <a16:creationId xmlns:a16="http://schemas.microsoft.com/office/drawing/2014/main" id="{E5A3629C-07BA-0DF7-6989-5FC71FE05355}"/>
               </a:ext>
             </a:extLst>
           </p:cNvPr>
@@ -5909,8 +7211,38 @@
         </p:blipFill>
         <p:spPr>
           <a:xfrm>
-            <a:off x="168916" y="3313565"/>
-            <a:ext cx="5245535" cy="3249160"/>
+            <a:off x="7314946" y="2647817"/>
+            <a:ext cx="3639058" cy="1905266"/>
+          </a:xfrm>
+          <a:prstGeom prst="rect">
+            <a:avLst/>
+          </a:prstGeom>
+        </p:spPr>
+      </p:pic>
+      <p:pic>
+        <p:nvPicPr>
+          <p:cNvPr id="7" name="Imagem 6">
+            <a:extLst>
+              <a:ext uri="{FF2B5EF4-FFF2-40B4-BE49-F238E27FC236}">
+                <a16:creationId xmlns:a16="http://schemas.microsoft.com/office/drawing/2014/main" id="{423858E5-9CA0-E169-5320-B584520A2E4D}"/>
+              </a:ext>
+            </a:extLst>
+          </p:cNvPr>
+          <p:cNvPicPr>
+            <a:picLocks noChangeAspect="1"/>
+          </p:cNvPicPr>
+          <p:nvPr/>
+        </p:nvPicPr>
+        <p:blipFill>
+          <a:blip r:embed="rId4"/>
+          <a:stretch>
+            <a:fillRect/>
+          </a:stretch>
+        </p:blipFill>
+        <p:spPr>
+          <a:xfrm>
+            <a:off x="8505332" y="4181101"/>
+            <a:ext cx="3534268" cy="2676899"/>
           </a:xfrm>
           <a:prstGeom prst="rect">
             <a:avLst/>
@@ -5920,7 +7252,7 @@
     </p:spTree>
     <p:extLst>
       <p:ext uri="{BB962C8B-B14F-4D97-AF65-F5344CB8AC3E}">
-        <p14:creationId xmlns:p14="http://schemas.microsoft.com/office/powerpoint/2010/main" val="2593444733"/>
+        <p14:creationId xmlns:p14="http://schemas.microsoft.com/office/powerpoint/2010/main" val="2729678910"/>
       </p:ext>
     </p:extLst>
   </p:cSld>
